--- a/thesis/draw.pptx
+++ b/thesis/draw.pptx
@@ -8,6 +8,9 @@
     <p:sldId id="256" r:id="rId2"/>
     <p:sldId id="257" r:id="rId3"/>
     <p:sldId id="258" r:id="rId4"/>
+    <p:sldId id="259" r:id="rId5"/>
+    <p:sldId id="260" r:id="rId6"/>
+    <p:sldId id="261" r:id="rId7"/>
   </p:sldIdLst>
   <p:sldSz cx="9144000" cy="6858000" type="screen4x3"/>
   <p:notesSz cx="6858000" cy="9144000"/>
@@ -245,7 +248,7 @@
           <a:p>
             <a:fld id="{37E7237F-C650-49B6-989E-FADB7AF5580C}" type="datetimeFigureOut">
               <a:rPr lang="zh-CN" altLang="en-US" smtClean="0"/>
-              <a:t>2017/5/23</a:t>
+              <a:t>2017/6/6</a:t>
             </a:fld>
             <a:endParaRPr lang="zh-CN" altLang="en-US"/>
           </a:p>
@@ -415,7 +418,7 @@
           <a:p>
             <a:fld id="{37E7237F-C650-49B6-989E-FADB7AF5580C}" type="datetimeFigureOut">
               <a:rPr lang="zh-CN" altLang="en-US" smtClean="0"/>
-              <a:t>2017/5/23</a:t>
+              <a:t>2017/6/6</a:t>
             </a:fld>
             <a:endParaRPr lang="zh-CN" altLang="en-US"/>
           </a:p>
@@ -595,7 +598,7 @@
           <a:p>
             <a:fld id="{37E7237F-C650-49B6-989E-FADB7AF5580C}" type="datetimeFigureOut">
               <a:rPr lang="zh-CN" altLang="en-US" smtClean="0"/>
-              <a:t>2017/5/23</a:t>
+              <a:t>2017/6/6</a:t>
             </a:fld>
             <a:endParaRPr lang="zh-CN" altLang="en-US"/>
           </a:p>
@@ -765,7 +768,7 @@
           <a:p>
             <a:fld id="{37E7237F-C650-49B6-989E-FADB7AF5580C}" type="datetimeFigureOut">
               <a:rPr lang="zh-CN" altLang="en-US" smtClean="0"/>
-              <a:t>2017/5/23</a:t>
+              <a:t>2017/6/6</a:t>
             </a:fld>
             <a:endParaRPr lang="zh-CN" altLang="en-US"/>
           </a:p>
@@ -1009,7 +1012,7 @@
           <a:p>
             <a:fld id="{37E7237F-C650-49B6-989E-FADB7AF5580C}" type="datetimeFigureOut">
               <a:rPr lang="zh-CN" altLang="en-US" smtClean="0"/>
-              <a:t>2017/5/23</a:t>
+              <a:t>2017/6/6</a:t>
             </a:fld>
             <a:endParaRPr lang="zh-CN" altLang="en-US"/>
           </a:p>
@@ -1241,7 +1244,7 @@
           <a:p>
             <a:fld id="{37E7237F-C650-49B6-989E-FADB7AF5580C}" type="datetimeFigureOut">
               <a:rPr lang="zh-CN" altLang="en-US" smtClean="0"/>
-              <a:t>2017/5/23</a:t>
+              <a:t>2017/6/6</a:t>
             </a:fld>
             <a:endParaRPr lang="zh-CN" altLang="en-US"/>
           </a:p>
@@ -1608,7 +1611,7 @@
           <a:p>
             <a:fld id="{37E7237F-C650-49B6-989E-FADB7AF5580C}" type="datetimeFigureOut">
               <a:rPr lang="zh-CN" altLang="en-US" smtClean="0"/>
-              <a:t>2017/5/23</a:t>
+              <a:t>2017/6/6</a:t>
             </a:fld>
             <a:endParaRPr lang="zh-CN" altLang="en-US"/>
           </a:p>
@@ -1726,7 +1729,7 @@
           <a:p>
             <a:fld id="{37E7237F-C650-49B6-989E-FADB7AF5580C}" type="datetimeFigureOut">
               <a:rPr lang="zh-CN" altLang="en-US" smtClean="0"/>
-              <a:t>2017/5/23</a:t>
+              <a:t>2017/6/6</a:t>
             </a:fld>
             <a:endParaRPr lang="zh-CN" altLang="en-US"/>
           </a:p>
@@ -1821,7 +1824,7 @@
           <a:p>
             <a:fld id="{37E7237F-C650-49B6-989E-FADB7AF5580C}" type="datetimeFigureOut">
               <a:rPr lang="zh-CN" altLang="en-US" smtClean="0"/>
-              <a:t>2017/5/23</a:t>
+              <a:t>2017/6/6</a:t>
             </a:fld>
             <a:endParaRPr lang="zh-CN" altLang="en-US"/>
           </a:p>
@@ -2098,7 +2101,7 @@
           <a:p>
             <a:fld id="{37E7237F-C650-49B6-989E-FADB7AF5580C}" type="datetimeFigureOut">
               <a:rPr lang="zh-CN" altLang="en-US" smtClean="0"/>
-              <a:t>2017/5/23</a:t>
+              <a:t>2017/6/6</a:t>
             </a:fld>
             <a:endParaRPr lang="zh-CN" altLang="en-US"/>
           </a:p>
@@ -2355,7 +2358,7 @@
           <a:p>
             <a:fld id="{37E7237F-C650-49B6-989E-FADB7AF5580C}" type="datetimeFigureOut">
               <a:rPr lang="zh-CN" altLang="en-US" smtClean="0"/>
-              <a:t>2017/5/23</a:t>
+              <a:t>2017/6/6</a:t>
             </a:fld>
             <a:endParaRPr lang="zh-CN" altLang="en-US"/>
           </a:p>
@@ -2568,7 +2571,7 @@
           <a:p>
             <a:fld id="{37E7237F-C650-49B6-989E-FADB7AF5580C}" type="datetimeFigureOut">
               <a:rPr lang="zh-CN" altLang="en-US" smtClean="0"/>
-              <a:t>2017/5/23</a:t>
+              <a:t>2017/6/6</a:t>
             </a:fld>
             <a:endParaRPr lang="zh-CN" altLang="en-US"/>
           </a:p>
@@ -8701,6 +8704,4282 @@
 </p:sld>
 </file>
 
+<file path=ppt/slides/slide4.xml><?xml version="1.0" encoding="utf-8"?>
+<p:sld xmlns:a="http://schemas.openxmlformats.org/drawingml/2006/main" xmlns:r="http://schemas.openxmlformats.org/officeDocument/2006/relationships" xmlns:p="http://schemas.openxmlformats.org/presentationml/2006/main">
+  <p:cSld>
+    <p:spTree>
+      <p:nvGrpSpPr>
+        <p:cNvPr id="1" name=""/>
+        <p:cNvGrpSpPr/>
+        <p:nvPr/>
+      </p:nvGrpSpPr>
+      <p:grpSpPr>
+        <a:xfrm>
+          <a:off x="0" y="0"/>
+          <a:ext cx="0" cy="0"/>
+          <a:chOff x="0" y="0"/>
+          <a:chExt cx="0" cy="0"/>
+        </a:xfrm>
+      </p:grpSpPr>
+      <p:grpSp>
+        <p:nvGrpSpPr>
+          <p:cNvPr id="27" name="组合 26"/>
+          <p:cNvGrpSpPr/>
+          <p:nvPr/>
+        </p:nvGrpSpPr>
+        <p:grpSpPr>
+          <a:xfrm>
+            <a:off x="1600200" y="1872761"/>
+            <a:ext cx="6242535" cy="3319893"/>
+            <a:chOff x="1600200" y="1872761"/>
+            <a:chExt cx="6242535" cy="3319893"/>
+          </a:xfrm>
+        </p:grpSpPr>
+        <p:sp>
+          <p:nvSpPr>
+            <p:cNvPr id="2" name="矩形 1"/>
+            <p:cNvSpPr/>
+            <p:nvPr/>
+          </p:nvSpPr>
+          <p:spPr>
+            <a:xfrm>
+              <a:off x="2053003" y="3613638"/>
+              <a:ext cx="2031023" cy="796459"/>
+            </a:xfrm>
+            <a:prstGeom prst="rect">
+              <a:avLst/>
+            </a:prstGeom>
+            <a:noFill/>
+            <a:ln w="25400">
+              <a:solidFill>
+                <a:schemeClr val="tx1"/>
+              </a:solidFill>
+            </a:ln>
+          </p:spPr>
+          <p:style>
+            <a:lnRef idx="2">
+              <a:schemeClr val="accent1">
+                <a:shade val="50000"/>
+              </a:schemeClr>
+            </a:lnRef>
+            <a:fillRef idx="1">
+              <a:schemeClr val="accent1"/>
+            </a:fillRef>
+            <a:effectRef idx="0">
+              <a:schemeClr val="accent1"/>
+            </a:effectRef>
+            <a:fontRef idx="minor">
+              <a:schemeClr val="lt1"/>
+            </a:fontRef>
+          </p:style>
+          <p:txBody>
+            <a:bodyPr rtlCol="0" anchor="ctr"/>
+            <a:lstStyle/>
+            <a:p>
+              <a:pPr algn="ctr"/>
+              <a:r>
+                <a:rPr lang="en-US" altLang="zh-CN" dirty="0" smtClean="0">
+                  <a:ln w="0"/>
+                  <a:solidFill>
+                    <a:schemeClr val="tx1"/>
+                  </a:solidFill>
+                  <a:effectLst>
+                    <a:outerShdw blurRad="38100" dist="19050" dir="2700000" algn="tl" rotWithShape="0">
+                      <a:schemeClr val="dk1">
+                        <a:alpha val="40000"/>
+                      </a:schemeClr>
+                    </a:outerShdw>
+                  </a:effectLst>
+                </a:rPr>
+                <a:t>CPU</a:t>
+              </a:r>
+              <a:endParaRPr lang="zh-CN" altLang="en-US" dirty="0"/>
+            </a:p>
+          </p:txBody>
+        </p:sp>
+        <p:sp>
+          <p:nvSpPr>
+            <p:cNvPr id="3" name="矩形 2"/>
+            <p:cNvSpPr/>
+            <p:nvPr/>
+          </p:nvSpPr>
+          <p:spPr>
+            <a:xfrm>
+              <a:off x="2039816" y="4773553"/>
+              <a:ext cx="2031023" cy="419101"/>
+            </a:xfrm>
+            <a:prstGeom prst="rect">
+              <a:avLst/>
+            </a:prstGeom>
+            <a:noFill/>
+            <a:ln w="25400">
+              <a:solidFill>
+                <a:schemeClr val="tx1"/>
+              </a:solidFill>
+            </a:ln>
+          </p:spPr>
+          <p:style>
+            <a:lnRef idx="2">
+              <a:schemeClr val="accent1">
+                <a:shade val="50000"/>
+              </a:schemeClr>
+            </a:lnRef>
+            <a:fillRef idx="1">
+              <a:schemeClr val="accent1"/>
+            </a:fillRef>
+            <a:effectRef idx="0">
+              <a:schemeClr val="accent1"/>
+            </a:effectRef>
+            <a:fontRef idx="minor">
+              <a:schemeClr val="lt1"/>
+            </a:fontRef>
+          </p:style>
+          <p:txBody>
+            <a:bodyPr rtlCol="0" anchor="ctr"/>
+            <a:lstStyle/>
+            <a:p>
+              <a:pPr algn="ctr"/>
+              <a:r>
+                <a:rPr lang="zh-CN" altLang="en-US" dirty="0">
+                  <a:ln w="0"/>
+                  <a:solidFill>
+                    <a:schemeClr val="tx1"/>
+                  </a:solidFill>
+                  <a:effectLst>
+                    <a:outerShdw blurRad="38100" dist="19050" dir="2700000" algn="tl" rotWithShape="0">
+                      <a:schemeClr val="dk1">
+                        <a:alpha val="40000"/>
+                      </a:schemeClr>
+                    </a:outerShdw>
+                  </a:effectLst>
+                </a:rPr>
+                <a:t>寄存器</a:t>
+              </a:r>
+              <a:endParaRPr lang="zh-CN" altLang="en-US" dirty="0"/>
+            </a:p>
+          </p:txBody>
+        </p:sp>
+        <p:sp>
+          <p:nvSpPr>
+            <p:cNvPr id="4" name="矩形 3"/>
+            <p:cNvSpPr/>
+            <p:nvPr/>
+          </p:nvSpPr>
+          <p:spPr>
+            <a:xfrm>
+              <a:off x="4774223" y="3613638"/>
+              <a:ext cx="870438" cy="1579016"/>
+            </a:xfrm>
+            <a:prstGeom prst="rect">
+              <a:avLst/>
+            </a:prstGeom>
+            <a:noFill/>
+            <a:ln w="25400">
+              <a:solidFill>
+                <a:schemeClr val="tx1"/>
+              </a:solidFill>
+            </a:ln>
+          </p:spPr>
+          <p:style>
+            <a:lnRef idx="2">
+              <a:schemeClr val="accent1">
+                <a:shade val="50000"/>
+              </a:schemeClr>
+            </a:lnRef>
+            <a:fillRef idx="1">
+              <a:schemeClr val="accent1"/>
+            </a:fillRef>
+            <a:effectRef idx="0">
+              <a:schemeClr val="accent1"/>
+            </a:effectRef>
+            <a:fontRef idx="minor">
+              <a:schemeClr val="lt1"/>
+            </a:fontRef>
+          </p:style>
+          <p:txBody>
+            <a:bodyPr rtlCol="0" anchor="ctr"/>
+            <a:lstStyle/>
+            <a:p>
+              <a:pPr algn="ctr"/>
+              <a:r>
+                <a:rPr lang="zh-CN" altLang="en-US" dirty="0" smtClean="0">
+                  <a:ln w="0"/>
+                  <a:solidFill>
+                    <a:schemeClr val="tx1"/>
+                  </a:solidFill>
+                  <a:effectLst>
+                    <a:outerShdw blurRad="38100" dist="19050" dir="2700000" algn="tl" rotWithShape="0">
+                      <a:schemeClr val="dk1">
+                        <a:alpha val="40000"/>
+                      </a:schemeClr>
+                    </a:outerShdw>
+                  </a:effectLst>
+                </a:rPr>
+                <a:t>内存</a:t>
+              </a:r>
+              <a:r>
+                <a:rPr lang="en-US" altLang="zh-CN" dirty="0" smtClean="0">
+                  <a:ln w="0"/>
+                  <a:solidFill>
+                    <a:schemeClr val="tx1"/>
+                  </a:solidFill>
+                  <a:effectLst>
+                    <a:outerShdw blurRad="38100" dist="19050" dir="2700000" algn="tl" rotWithShape="0">
+                      <a:schemeClr val="dk1">
+                        <a:alpha val="40000"/>
+                      </a:schemeClr>
+                    </a:outerShdw>
+                  </a:effectLst>
+                </a:rPr>
+                <a:t>&amp;</a:t>
+              </a:r>
+              <a:r>
+                <a:rPr lang="zh-CN" altLang="en-US" dirty="0" smtClean="0">
+                  <a:ln w="0"/>
+                  <a:solidFill>
+                    <a:schemeClr val="tx1"/>
+                  </a:solidFill>
+                  <a:effectLst>
+                    <a:outerShdw blurRad="38100" dist="19050" dir="2700000" algn="tl" rotWithShape="0">
+                      <a:schemeClr val="dk1">
+                        <a:alpha val="40000"/>
+                      </a:schemeClr>
+                    </a:outerShdw>
+                  </a:effectLst>
+                </a:rPr>
+                <a:t>缓存</a:t>
+              </a:r>
+              <a:endParaRPr lang="zh-CN" altLang="en-US" dirty="0"/>
+            </a:p>
+          </p:txBody>
+        </p:sp>
+        <p:sp>
+          <p:nvSpPr>
+            <p:cNvPr id="5" name="矩形 4"/>
+            <p:cNvSpPr/>
+            <p:nvPr/>
+          </p:nvSpPr>
+          <p:spPr>
+            <a:xfrm>
+              <a:off x="6901958" y="1872761"/>
+              <a:ext cx="940777" cy="3094893"/>
+            </a:xfrm>
+            <a:prstGeom prst="rect">
+              <a:avLst/>
+            </a:prstGeom>
+            <a:noFill/>
+            <a:ln w="25400">
+              <a:solidFill>
+                <a:schemeClr val="tx1"/>
+              </a:solidFill>
+            </a:ln>
+          </p:spPr>
+          <p:style>
+            <a:lnRef idx="2">
+              <a:schemeClr val="accent1">
+                <a:shade val="50000"/>
+              </a:schemeClr>
+            </a:lnRef>
+            <a:fillRef idx="1">
+              <a:schemeClr val="accent1"/>
+            </a:fillRef>
+            <a:effectRef idx="0">
+              <a:schemeClr val="accent1"/>
+            </a:effectRef>
+            <a:fontRef idx="minor">
+              <a:schemeClr val="lt1"/>
+            </a:fontRef>
+          </p:style>
+          <p:txBody>
+            <a:bodyPr rtlCol="0" anchor="ctr"/>
+            <a:lstStyle/>
+            <a:p>
+              <a:pPr algn="ctr"/>
+              <a:r>
+                <a:rPr lang="zh-CN" altLang="en-US" dirty="0" smtClean="0">
+                  <a:ln w="0"/>
+                  <a:solidFill>
+                    <a:schemeClr val="tx1"/>
+                  </a:solidFill>
+                  <a:effectLst>
+                    <a:outerShdw blurRad="38100" dist="19050" dir="2700000" algn="tl" rotWithShape="0">
+                      <a:schemeClr val="dk1">
+                        <a:alpha val="40000"/>
+                      </a:schemeClr>
+                    </a:outerShdw>
+                  </a:effectLst>
+                </a:rPr>
+                <a:t>外设</a:t>
+              </a:r>
+              <a:endParaRPr lang="zh-CN" altLang="en-US" dirty="0"/>
+            </a:p>
+          </p:txBody>
+        </p:sp>
+        <p:cxnSp>
+          <p:nvCxnSpPr>
+            <p:cNvPr id="12" name="直接连接符 11"/>
+            <p:cNvCxnSpPr>
+              <a:stCxn id="2" idx="0"/>
+            </p:cNvCxnSpPr>
+            <p:nvPr/>
+          </p:nvCxnSpPr>
+          <p:spPr>
+            <a:xfrm flipH="1" flipV="1">
+              <a:off x="3068514" y="3420208"/>
+              <a:ext cx="1" cy="193430"/>
+            </a:xfrm>
+            <a:prstGeom prst="line">
+              <a:avLst/>
+            </a:prstGeom>
+            <a:ln w="25400">
+              <a:solidFill>
+                <a:srgbClr val="FF0000"/>
+              </a:solidFill>
+            </a:ln>
+          </p:spPr>
+          <p:style>
+            <a:lnRef idx="1">
+              <a:schemeClr val="accent1"/>
+            </a:lnRef>
+            <a:fillRef idx="0">
+              <a:schemeClr val="accent1"/>
+            </a:fillRef>
+            <a:effectRef idx="0">
+              <a:schemeClr val="accent1"/>
+            </a:effectRef>
+            <a:fontRef idx="minor">
+              <a:schemeClr val="tx1"/>
+            </a:fontRef>
+          </p:style>
+        </p:cxnSp>
+        <p:cxnSp>
+          <p:nvCxnSpPr>
+            <p:cNvPr id="13" name="直接连接符 12"/>
+            <p:cNvCxnSpPr>
+              <a:stCxn id="4" idx="0"/>
+            </p:cNvCxnSpPr>
+            <p:nvPr/>
+          </p:nvCxnSpPr>
+          <p:spPr>
+            <a:xfrm flipV="1">
+              <a:off x="5209442" y="3420208"/>
+              <a:ext cx="0" cy="193430"/>
+            </a:xfrm>
+            <a:prstGeom prst="line">
+              <a:avLst/>
+            </a:prstGeom>
+            <a:ln w="25400">
+              <a:solidFill>
+                <a:srgbClr val="FF0000"/>
+              </a:solidFill>
+            </a:ln>
+          </p:spPr>
+          <p:style>
+            <a:lnRef idx="1">
+              <a:schemeClr val="accent1"/>
+            </a:lnRef>
+            <a:fillRef idx="0">
+              <a:schemeClr val="accent1"/>
+            </a:fillRef>
+            <a:effectRef idx="0">
+              <a:schemeClr val="accent1"/>
+            </a:effectRef>
+            <a:fontRef idx="minor">
+              <a:schemeClr val="tx1"/>
+            </a:fontRef>
+          </p:style>
+        </p:cxnSp>
+        <p:cxnSp>
+          <p:nvCxnSpPr>
+            <p:cNvPr id="14" name="直接连接符 13"/>
+            <p:cNvCxnSpPr/>
+            <p:nvPr/>
+          </p:nvCxnSpPr>
+          <p:spPr>
+            <a:xfrm>
+              <a:off x="3055327" y="4405700"/>
+              <a:ext cx="1" cy="372207"/>
+            </a:xfrm>
+            <a:prstGeom prst="line">
+              <a:avLst/>
+            </a:prstGeom>
+            <a:ln w="25400">
+              <a:solidFill>
+                <a:srgbClr val="FF0000"/>
+              </a:solidFill>
+            </a:ln>
+          </p:spPr>
+          <p:style>
+            <a:lnRef idx="1">
+              <a:schemeClr val="accent1"/>
+            </a:lnRef>
+            <a:fillRef idx="0">
+              <a:schemeClr val="accent1"/>
+            </a:fillRef>
+            <a:effectRef idx="0">
+              <a:schemeClr val="accent1"/>
+            </a:effectRef>
+            <a:fontRef idx="minor">
+              <a:schemeClr val="tx1"/>
+            </a:fontRef>
+          </p:style>
+        </p:cxnSp>
+        <p:cxnSp>
+          <p:nvCxnSpPr>
+            <p:cNvPr id="16" name="直接连接符 15"/>
+            <p:cNvCxnSpPr/>
+            <p:nvPr/>
+          </p:nvCxnSpPr>
+          <p:spPr>
+            <a:xfrm>
+              <a:off x="1600200" y="3420208"/>
+              <a:ext cx="5301762" cy="0"/>
+            </a:xfrm>
+            <a:prstGeom prst="line">
+              <a:avLst/>
+            </a:prstGeom>
+            <a:ln w="25400">
+              <a:solidFill>
+                <a:srgbClr val="FF0000"/>
+              </a:solidFill>
+            </a:ln>
+          </p:spPr>
+          <p:style>
+            <a:lnRef idx="1">
+              <a:schemeClr val="accent1"/>
+            </a:lnRef>
+            <a:fillRef idx="0">
+              <a:schemeClr val="accent1"/>
+            </a:fillRef>
+            <a:effectRef idx="0">
+              <a:schemeClr val="accent1"/>
+            </a:effectRef>
+            <a:fontRef idx="minor">
+              <a:schemeClr val="tx1"/>
+            </a:fontRef>
+          </p:style>
+        </p:cxnSp>
+      </p:grpSp>
+      <p:grpSp>
+        <p:nvGrpSpPr>
+          <p:cNvPr id="28" name="组合 27"/>
+          <p:cNvGrpSpPr/>
+          <p:nvPr/>
+        </p:nvGrpSpPr>
+        <p:grpSpPr>
+          <a:xfrm>
+            <a:off x="2039817" y="5192654"/>
+            <a:ext cx="4035670" cy="1093846"/>
+            <a:chOff x="2039817" y="5192654"/>
+            <a:chExt cx="4035670" cy="1093846"/>
+          </a:xfrm>
+        </p:grpSpPr>
+        <p:sp>
+          <p:nvSpPr>
+            <p:cNvPr id="15" name="矩形 14"/>
+            <p:cNvSpPr/>
+            <p:nvPr/>
+          </p:nvSpPr>
+          <p:spPr>
+            <a:xfrm>
+              <a:off x="2039817" y="5671038"/>
+              <a:ext cx="4035670" cy="615462"/>
+            </a:xfrm>
+            <a:prstGeom prst="rect">
+              <a:avLst/>
+            </a:prstGeom>
+            <a:solidFill>
+              <a:schemeClr val="accent6">
+                <a:lumMod val="40000"/>
+                <a:lumOff val="60000"/>
+              </a:schemeClr>
+            </a:solidFill>
+            <a:ln w="25400">
+              <a:solidFill>
+                <a:schemeClr val="tx1"/>
+              </a:solidFill>
+            </a:ln>
+          </p:spPr>
+          <p:style>
+            <a:lnRef idx="2">
+              <a:schemeClr val="accent1">
+                <a:shade val="50000"/>
+              </a:schemeClr>
+            </a:lnRef>
+            <a:fillRef idx="1">
+              <a:schemeClr val="accent1"/>
+            </a:fillRef>
+            <a:effectRef idx="0">
+              <a:schemeClr val="accent1"/>
+            </a:effectRef>
+            <a:fontRef idx="minor">
+              <a:schemeClr val="lt1"/>
+            </a:fontRef>
+          </p:style>
+          <p:txBody>
+            <a:bodyPr rtlCol="0" anchor="ctr"/>
+            <a:lstStyle/>
+            <a:p>
+              <a:pPr algn="ctr"/>
+              <a:r>
+                <a:rPr lang="zh-CN" altLang="en-US" dirty="0">
+                  <a:ln w="0"/>
+                  <a:solidFill>
+                    <a:schemeClr val="tx1"/>
+                  </a:solidFill>
+                  <a:effectLst>
+                    <a:outerShdw blurRad="38100" dist="19050" dir="2700000" algn="tl" rotWithShape="0">
+                      <a:schemeClr val="dk1">
+                        <a:alpha val="40000"/>
+                      </a:schemeClr>
+                    </a:outerShdw>
+                  </a:effectLst>
+                </a:rPr>
+                <a:t>非易</a:t>
+              </a:r>
+              <a:r>
+                <a:rPr lang="zh-CN" altLang="en-US" dirty="0" smtClean="0">
+                  <a:ln w="0"/>
+                  <a:solidFill>
+                    <a:schemeClr val="tx1"/>
+                  </a:solidFill>
+                  <a:effectLst>
+                    <a:outerShdw blurRad="38100" dist="19050" dir="2700000" algn="tl" rotWithShape="0">
+                      <a:schemeClr val="dk1">
+                        <a:alpha val="40000"/>
+                      </a:schemeClr>
+                    </a:outerShdw>
+                  </a:effectLst>
+                </a:rPr>
+                <a:t>失储存器</a:t>
+              </a:r>
+              <a:endParaRPr lang="zh-CN" altLang="en-US" dirty="0">
+                <a:ln w="0"/>
+                <a:solidFill>
+                  <a:schemeClr val="tx1"/>
+                </a:solidFill>
+                <a:effectLst>
+                  <a:outerShdw blurRad="38100" dist="19050" dir="2700000" algn="tl" rotWithShape="0">
+                    <a:schemeClr val="dk1">
+                      <a:alpha val="40000"/>
+                    </a:schemeClr>
+                  </a:outerShdw>
+                </a:effectLst>
+              </a:endParaRPr>
+            </a:p>
+          </p:txBody>
+        </p:sp>
+        <p:cxnSp>
+          <p:nvCxnSpPr>
+            <p:cNvPr id="23" name="直接连接符 22"/>
+            <p:cNvCxnSpPr>
+              <a:stCxn id="3" idx="2"/>
+            </p:cNvCxnSpPr>
+            <p:nvPr/>
+          </p:nvCxnSpPr>
+          <p:spPr>
+            <a:xfrm flipH="1">
+              <a:off x="3055327" y="5192654"/>
+              <a:ext cx="1" cy="478384"/>
+            </a:xfrm>
+            <a:prstGeom prst="line">
+              <a:avLst/>
+            </a:prstGeom>
+            <a:ln w="25400">
+              <a:solidFill>
+                <a:schemeClr val="accent6">
+                  <a:lumMod val="50000"/>
+                </a:schemeClr>
+              </a:solidFill>
+            </a:ln>
+          </p:spPr>
+          <p:style>
+            <a:lnRef idx="1">
+              <a:schemeClr val="accent1"/>
+            </a:lnRef>
+            <a:fillRef idx="0">
+              <a:schemeClr val="accent1"/>
+            </a:fillRef>
+            <a:effectRef idx="0">
+              <a:schemeClr val="accent1"/>
+            </a:effectRef>
+            <a:fontRef idx="minor">
+              <a:schemeClr val="tx1"/>
+            </a:fontRef>
+          </p:style>
+        </p:cxnSp>
+        <p:cxnSp>
+          <p:nvCxnSpPr>
+            <p:cNvPr id="24" name="直接连接符 23"/>
+            <p:cNvCxnSpPr>
+              <a:stCxn id="4" idx="2"/>
+            </p:cNvCxnSpPr>
+            <p:nvPr/>
+          </p:nvCxnSpPr>
+          <p:spPr>
+            <a:xfrm>
+              <a:off x="5209442" y="5192654"/>
+              <a:ext cx="0" cy="478384"/>
+            </a:xfrm>
+            <a:prstGeom prst="line">
+              <a:avLst/>
+            </a:prstGeom>
+            <a:ln w="25400">
+              <a:solidFill>
+                <a:schemeClr val="accent6">
+                  <a:lumMod val="50000"/>
+                </a:schemeClr>
+              </a:solidFill>
+            </a:ln>
+          </p:spPr>
+          <p:style>
+            <a:lnRef idx="1">
+              <a:schemeClr val="accent1"/>
+            </a:lnRef>
+            <a:fillRef idx="0">
+              <a:schemeClr val="accent1"/>
+            </a:fillRef>
+            <a:effectRef idx="0">
+              <a:schemeClr val="accent1"/>
+            </a:effectRef>
+            <a:fontRef idx="minor">
+              <a:schemeClr val="tx1"/>
+            </a:fontRef>
+          </p:style>
+        </p:cxnSp>
+      </p:grpSp>
+      <p:grpSp>
+        <p:nvGrpSpPr>
+          <p:cNvPr id="30" name="组合 29"/>
+          <p:cNvGrpSpPr/>
+          <p:nvPr/>
+        </p:nvGrpSpPr>
+        <p:grpSpPr>
+          <a:xfrm>
+            <a:off x="140675" y="1327638"/>
+            <a:ext cx="6603025" cy="5231424"/>
+            <a:chOff x="140675" y="1327638"/>
+            <a:chExt cx="6603025" cy="5231424"/>
+          </a:xfrm>
+        </p:grpSpPr>
+        <p:sp>
+          <p:nvSpPr>
+            <p:cNvPr id="25" name="矩形 24"/>
+            <p:cNvSpPr/>
+            <p:nvPr/>
+          </p:nvSpPr>
+          <p:spPr>
+            <a:xfrm>
+              <a:off x="1134208" y="1327638"/>
+              <a:ext cx="5609492" cy="5231424"/>
+            </a:xfrm>
+            <a:prstGeom prst="rect">
+              <a:avLst/>
+            </a:prstGeom>
+            <a:noFill/>
+            <a:ln w="127000">
+              <a:solidFill>
+                <a:schemeClr val="bg1">
+                  <a:lumMod val="75000"/>
+                </a:schemeClr>
+              </a:solidFill>
+            </a:ln>
+          </p:spPr>
+          <p:style>
+            <a:lnRef idx="2">
+              <a:schemeClr val="accent1">
+                <a:shade val="50000"/>
+              </a:schemeClr>
+            </a:lnRef>
+            <a:fillRef idx="1">
+              <a:schemeClr val="accent1"/>
+            </a:fillRef>
+            <a:effectRef idx="0">
+              <a:schemeClr val="accent1"/>
+            </a:effectRef>
+            <a:fontRef idx="minor">
+              <a:schemeClr val="lt1"/>
+            </a:fontRef>
+          </p:style>
+          <p:txBody>
+            <a:bodyPr rtlCol="0" anchor="ctr"/>
+            <a:lstStyle/>
+            <a:p>
+              <a:pPr algn="ctr"/>
+              <a:endParaRPr lang="zh-CN" altLang="en-US"/>
+            </a:p>
+          </p:txBody>
+        </p:sp>
+        <p:grpSp>
+          <p:nvGrpSpPr>
+            <p:cNvPr id="29" name="组合 28"/>
+            <p:cNvGrpSpPr/>
+            <p:nvPr/>
+          </p:nvGrpSpPr>
+          <p:grpSpPr>
+            <a:xfrm>
+              <a:off x="140675" y="1464471"/>
+              <a:ext cx="5934811" cy="4514298"/>
+              <a:chOff x="140675" y="1464471"/>
+              <a:chExt cx="5934811" cy="4514298"/>
+            </a:xfrm>
+          </p:grpSpPr>
+          <p:sp>
+            <p:nvSpPr>
+              <p:cNvPr id="6" name="矩形 5"/>
+              <p:cNvSpPr/>
+              <p:nvPr/>
+            </p:nvSpPr>
+            <p:spPr>
+              <a:xfrm>
+                <a:off x="2039816" y="1464471"/>
+                <a:ext cx="4035670" cy="1494692"/>
+              </a:xfrm>
+              <a:prstGeom prst="rect">
+                <a:avLst/>
+              </a:prstGeom>
+              <a:noFill/>
+              <a:ln w="63500">
+                <a:solidFill>
+                  <a:schemeClr val="accent1">
+                    <a:shade val="50000"/>
+                    <a:alpha val="50000"/>
+                  </a:schemeClr>
+                </a:solidFill>
+              </a:ln>
+            </p:spPr>
+            <p:style>
+              <a:lnRef idx="2">
+                <a:schemeClr val="accent1">
+                  <a:shade val="50000"/>
+                </a:schemeClr>
+              </a:lnRef>
+              <a:fillRef idx="1">
+                <a:schemeClr val="accent1"/>
+              </a:fillRef>
+              <a:effectRef idx="0">
+                <a:schemeClr val="accent1"/>
+              </a:effectRef>
+              <a:fontRef idx="minor">
+                <a:schemeClr val="lt1"/>
+              </a:fontRef>
+            </p:style>
+            <p:txBody>
+              <a:bodyPr rtlCol="0" anchor="ctr"/>
+              <a:lstStyle/>
+              <a:p>
+                <a:pPr algn="ctr"/>
+                <a:endParaRPr lang="zh-CN" altLang="en-US"/>
+              </a:p>
+            </p:txBody>
+          </p:sp>
+          <p:sp>
+            <p:nvSpPr>
+              <p:cNvPr id="7" name="矩形 6"/>
+              <p:cNvSpPr/>
+              <p:nvPr/>
+            </p:nvSpPr>
+            <p:spPr>
+              <a:xfrm>
+                <a:off x="2321168" y="1690689"/>
+                <a:ext cx="1371599" cy="973380"/>
+              </a:xfrm>
+              <a:prstGeom prst="rect">
+                <a:avLst/>
+              </a:prstGeom>
+              <a:noFill/>
+              <a:ln w="25400">
+                <a:solidFill>
+                  <a:schemeClr val="tx1"/>
+                </a:solidFill>
+              </a:ln>
+            </p:spPr>
+            <p:style>
+              <a:lnRef idx="2">
+                <a:schemeClr val="accent1">
+                  <a:shade val="50000"/>
+                </a:schemeClr>
+              </a:lnRef>
+              <a:fillRef idx="1">
+                <a:schemeClr val="accent1"/>
+              </a:fillRef>
+              <a:effectRef idx="0">
+                <a:schemeClr val="accent1"/>
+              </a:effectRef>
+              <a:fontRef idx="minor">
+                <a:schemeClr val="lt1"/>
+              </a:fontRef>
+            </p:style>
+            <p:txBody>
+              <a:bodyPr rtlCol="0" anchor="ctr"/>
+              <a:lstStyle/>
+              <a:p>
+                <a:pPr algn="ctr"/>
+                <a:r>
+                  <a:rPr lang="zh-CN" altLang="en-US" dirty="0" smtClean="0">
+                    <a:ln w="0"/>
+                    <a:solidFill>
+                      <a:schemeClr val="tx1"/>
+                    </a:solidFill>
+                    <a:effectLst>
+                      <a:outerShdw blurRad="38100" dist="19050" dir="2700000" algn="tl" rotWithShape="0">
+                        <a:schemeClr val="dk1">
+                          <a:alpha val="40000"/>
+                        </a:schemeClr>
+                      </a:outerShdw>
+                    </a:effectLst>
+                  </a:rPr>
+                  <a:t>能量储存（电容）</a:t>
+                </a:r>
+                <a:endParaRPr lang="zh-CN" altLang="en-US" dirty="0"/>
+              </a:p>
+            </p:txBody>
+          </p:sp>
+          <p:sp>
+            <p:nvSpPr>
+              <p:cNvPr id="8" name="矩形 7"/>
+              <p:cNvSpPr/>
+              <p:nvPr/>
+            </p:nvSpPr>
+            <p:spPr>
+              <a:xfrm>
+                <a:off x="4237891" y="1690689"/>
+                <a:ext cx="1565032" cy="349126"/>
+              </a:xfrm>
+              <a:prstGeom prst="rect">
+                <a:avLst/>
+              </a:prstGeom>
+              <a:noFill/>
+              <a:ln w="25400">
+                <a:solidFill>
+                  <a:schemeClr val="tx1"/>
+                </a:solidFill>
+              </a:ln>
+            </p:spPr>
+            <p:style>
+              <a:lnRef idx="2">
+                <a:schemeClr val="accent1">
+                  <a:shade val="50000"/>
+                </a:schemeClr>
+              </a:lnRef>
+              <a:fillRef idx="1">
+                <a:schemeClr val="accent1"/>
+              </a:fillRef>
+              <a:effectRef idx="0">
+                <a:schemeClr val="accent1"/>
+              </a:effectRef>
+              <a:fontRef idx="minor">
+                <a:schemeClr val="lt1"/>
+              </a:fontRef>
+            </p:style>
+            <p:txBody>
+              <a:bodyPr rtlCol="0" anchor="ctr"/>
+              <a:lstStyle/>
+              <a:p>
+                <a:pPr algn="ctr"/>
+                <a:r>
+                  <a:rPr lang="zh-CN" altLang="en-US" dirty="0" smtClean="0">
+                    <a:ln w="0"/>
+                    <a:solidFill>
+                      <a:schemeClr val="tx1"/>
+                    </a:solidFill>
+                    <a:effectLst>
+                      <a:outerShdw blurRad="38100" dist="19050" dir="2700000" algn="tl" rotWithShape="0">
+                        <a:schemeClr val="dk1">
+                          <a:alpha val="40000"/>
+                        </a:schemeClr>
+                      </a:outerShdw>
+                    </a:effectLst>
+                  </a:rPr>
+                  <a:t>电压检测</a:t>
+                </a:r>
+                <a:endParaRPr lang="zh-CN" altLang="en-US" dirty="0"/>
+              </a:p>
+            </p:txBody>
+          </p:sp>
+          <p:sp>
+            <p:nvSpPr>
+              <p:cNvPr id="9" name="矩形 8"/>
+              <p:cNvSpPr/>
+              <p:nvPr/>
+            </p:nvSpPr>
+            <p:spPr>
+              <a:xfrm>
+                <a:off x="4237891" y="2313571"/>
+                <a:ext cx="1565032" cy="349126"/>
+              </a:xfrm>
+              <a:prstGeom prst="rect">
+                <a:avLst/>
+              </a:prstGeom>
+              <a:noFill/>
+              <a:ln w="25400">
+                <a:solidFill>
+                  <a:schemeClr val="tx1"/>
+                </a:solidFill>
+              </a:ln>
+            </p:spPr>
+            <p:style>
+              <a:lnRef idx="2">
+                <a:schemeClr val="accent1">
+                  <a:shade val="50000"/>
+                </a:schemeClr>
+              </a:lnRef>
+              <a:fillRef idx="1">
+                <a:schemeClr val="accent1"/>
+              </a:fillRef>
+              <a:effectRef idx="0">
+                <a:schemeClr val="accent1"/>
+              </a:effectRef>
+              <a:fontRef idx="minor">
+                <a:schemeClr val="lt1"/>
+              </a:fontRef>
+            </p:style>
+            <p:txBody>
+              <a:bodyPr rtlCol="0" anchor="ctr"/>
+              <a:lstStyle/>
+              <a:p>
+                <a:pPr algn="ctr"/>
+                <a:r>
+                  <a:rPr lang="zh-CN" altLang="en-US" dirty="0" smtClean="0">
+                    <a:ln w="0"/>
+                    <a:solidFill>
+                      <a:schemeClr val="tx1"/>
+                    </a:solidFill>
+                    <a:effectLst>
+                      <a:outerShdw blurRad="38100" dist="19050" dir="2700000" algn="tl" rotWithShape="0">
+                        <a:schemeClr val="dk1">
+                          <a:alpha val="40000"/>
+                        </a:schemeClr>
+                      </a:outerShdw>
+                    </a:effectLst>
+                  </a:rPr>
+                  <a:t>系统状态管理</a:t>
+                </a:r>
+                <a:endParaRPr lang="zh-CN" altLang="en-US" dirty="0"/>
+              </a:p>
+            </p:txBody>
+          </p:sp>
+          <p:cxnSp>
+            <p:nvCxnSpPr>
+              <p:cNvPr id="10" name="直接箭头连接符 9"/>
+              <p:cNvCxnSpPr>
+                <a:stCxn id="8" idx="1"/>
+              </p:cNvCxnSpPr>
+              <p:nvPr/>
+            </p:nvCxnSpPr>
+            <p:spPr>
+              <a:xfrm flipH="1">
+                <a:off x="3692767" y="1865252"/>
+                <a:ext cx="545124" cy="0"/>
+              </a:xfrm>
+              <a:prstGeom prst="straightConnector1">
+                <a:avLst/>
+              </a:prstGeom>
+              <a:ln w="25400">
+                <a:solidFill>
+                  <a:schemeClr val="tx1"/>
+                </a:solidFill>
+                <a:headEnd type="triangle"/>
+                <a:tailEnd type="triangle"/>
+              </a:ln>
+            </p:spPr>
+            <p:style>
+              <a:lnRef idx="1">
+                <a:schemeClr val="accent1"/>
+              </a:lnRef>
+              <a:fillRef idx="0">
+                <a:schemeClr val="accent1"/>
+              </a:fillRef>
+              <a:effectRef idx="0">
+                <a:schemeClr val="accent1"/>
+              </a:effectRef>
+              <a:fontRef idx="minor">
+                <a:schemeClr val="tx1"/>
+              </a:fontRef>
+            </p:style>
+          </p:cxnSp>
+          <p:cxnSp>
+            <p:nvCxnSpPr>
+              <p:cNvPr id="11" name="直接箭头连接符 10"/>
+              <p:cNvCxnSpPr/>
+              <p:nvPr/>
+            </p:nvCxnSpPr>
+            <p:spPr>
+              <a:xfrm>
+                <a:off x="5033595" y="2039815"/>
+                <a:ext cx="0" cy="273756"/>
+              </a:xfrm>
+              <a:prstGeom prst="straightConnector1">
+                <a:avLst/>
+              </a:prstGeom>
+              <a:ln w="25400">
+                <a:solidFill>
+                  <a:schemeClr val="tx1"/>
+                </a:solidFill>
+                <a:headEnd type="triangle"/>
+                <a:tailEnd type="triangle"/>
+              </a:ln>
+            </p:spPr>
+            <p:style>
+              <a:lnRef idx="1">
+                <a:schemeClr val="accent1"/>
+              </a:lnRef>
+              <a:fillRef idx="0">
+                <a:schemeClr val="accent1"/>
+              </a:fillRef>
+              <a:effectRef idx="0">
+                <a:schemeClr val="accent1"/>
+              </a:effectRef>
+              <a:fontRef idx="minor">
+                <a:schemeClr val="tx1"/>
+              </a:fontRef>
+            </p:style>
+          </p:cxnSp>
+          <p:cxnSp>
+            <p:nvCxnSpPr>
+              <p:cNvPr id="17" name="直接连接符 16"/>
+              <p:cNvCxnSpPr>
+                <a:stCxn id="9" idx="2"/>
+              </p:cNvCxnSpPr>
+              <p:nvPr/>
+            </p:nvCxnSpPr>
+            <p:spPr>
+              <a:xfrm>
+                <a:off x="5020407" y="2662697"/>
+                <a:ext cx="13188" cy="950941"/>
+              </a:xfrm>
+              <a:prstGeom prst="line">
+                <a:avLst/>
+              </a:prstGeom>
+              <a:ln w="25400">
+                <a:solidFill>
+                  <a:srgbClr val="FFC000"/>
+                </a:solidFill>
+              </a:ln>
+            </p:spPr>
+            <p:style>
+              <a:lnRef idx="1">
+                <a:schemeClr val="accent1"/>
+              </a:lnRef>
+              <a:fillRef idx="0">
+                <a:schemeClr val="accent1"/>
+              </a:fillRef>
+              <a:effectRef idx="0">
+                <a:schemeClr val="accent1"/>
+              </a:effectRef>
+              <a:fontRef idx="minor">
+                <a:schemeClr val="tx1"/>
+              </a:fontRef>
+            </p:style>
+          </p:cxnSp>
+          <p:cxnSp>
+            <p:nvCxnSpPr>
+              <p:cNvPr id="18" name="直接连接符 17"/>
+              <p:cNvCxnSpPr/>
+              <p:nvPr/>
+            </p:nvCxnSpPr>
+            <p:spPr>
+              <a:xfrm flipH="1">
+                <a:off x="1811215" y="3200400"/>
+                <a:ext cx="3222380" cy="0"/>
+              </a:xfrm>
+              <a:prstGeom prst="line">
+                <a:avLst/>
+              </a:prstGeom>
+              <a:ln w="25400">
+                <a:solidFill>
+                  <a:srgbClr val="FFC000"/>
+                </a:solidFill>
+              </a:ln>
+            </p:spPr>
+            <p:style>
+              <a:lnRef idx="1">
+                <a:schemeClr val="accent1"/>
+              </a:lnRef>
+              <a:fillRef idx="0">
+                <a:schemeClr val="accent1"/>
+              </a:fillRef>
+              <a:effectRef idx="0">
+                <a:schemeClr val="accent1"/>
+              </a:effectRef>
+              <a:fontRef idx="minor">
+                <a:schemeClr val="tx1"/>
+              </a:fontRef>
+            </p:style>
+          </p:cxnSp>
+          <p:cxnSp>
+            <p:nvCxnSpPr>
+              <p:cNvPr id="19" name="直接连接符 18"/>
+              <p:cNvCxnSpPr/>
+              <p:nvPr/>
+            </p:nvCxnSpPr>
+            <p:spPr>
+              <a:xfrm>
+                <a:off x="1811215" y="3182815"/>
+                <a:ext cx="0" cy="2795954"/>
+              </a:xfrm>
+              <a:prstGeom prst="line">
+                <a:avLst/>
+              </a:prstGeom>
+              <a:ln w="25400">
+                <a:solidFill>
+                  <a:srgbClr val="FFC000"/>
+                </a:solidFill>
+              </a:ln>
+            </p:spPr>
+            <p:style>
+              <a:lnRef idx="1">
+                <a:schemeClr val="accent1"/>
+              </a:lnRef>
+              <a:fillRef idx="0">
+                <a:schemeClr val="accent1"/>
+              </a:fillRef>
+              <a:effectRef idx="0">
+                <a:schemeClr val="accent1"/>
+              </a:effectRef>
+              <a:fontRef idx="minor">
+                <a:schemeClr val="tx1"/>
+              </a:fontRef>
+            </p:style>
+          </p:cxnSp>
+          <p:cxnSp>
+            <p:nvCxnSpPr>
+              <p:cNvPr id="20" name="直接连接符 19"/>
+              <p:cNvCxnSpPr>
+                <a:endCxn id="15" idx="1"/>
+              </p:cNvCxnSpPr>
+              <p:nvPr/>
+            </p:nvCxnSpPr>
+            <p:spPr>
+              <a:xfrm>
+                <a:off x="1811215" y="5978769"/>
+                <a:ext cx="228602" cy="0"/>
+              </a:xfrm>
+              <a:prstGeom prst="line">
+                <a:avLst/>
+              </a:prstGeom>
+              <a:ln w="25400">
+                <a:solidFill>
+                  <a:srgbClr val="FFC000"/>
+                </a:solidFill>
+              </a:ln>
+            </p:spPr>
+            <p:style>
+              <a:lnRef idx="1">
+                <a:schemeClr val="accent1"/>
+              </a:lnRef>
+              <a:fillRef idx="0">
+                <a:schemeClr val="accent1"/>
+              </a:fillRef>
+              <a:effectRef idx="0">
+                <a:schemeClr val="accent1"/>
+              </a:effectRef>
+              <a:fontRef idx="minor">
+                <a:schemeClr val="tx1"/>
+              </a:fontRef>
+            </p:style>
+          </p:cxnSp>
+          <p:cxnSp>
+            <p:nvCxnSpPr>
+              <p:cNvPr id="21" name="直接连接符 20"/>
+              <p:cNvCxnSpPr>
+                <a:endCxn id="3" idx="1"/>
+              </p:cNvCxnSpPr>
+              <p:nvPr/>
+            </p:nvCxnSpPr>
+            <p:spPr>
+              <a:xfrm>
+                <a:off x="1811215" y="4976446"/>
+                <a:ext cx="228601" cy="6658"/>
+              </a:xfrm>
+              <a:prstGeom prst="line">
+                <a:avLst/>
+              </a:prstGeom>
+              <a:ln w="25400">
+                <a:solidFill>
+                  <a:srgbClr val="FFC000"/>
+                </a:solidFill>
+              </a:ln>
+            </p:spPr>
+            <p:style>
+              <a:lnRef idx="1">
+                <a:schemeClr val="accent1"/>
+              </a:lnRef>
+              <a:fillRef idx="0">
+                <a:schemeClr val="accent1"/>
+              </a:fillRef>
+              <a:effectRef idx="0">
+                <a:schemeClr val="accent1"/>
+              </a:effectRef>
+              <a:fontRef idx="minor">
+                <a:schemeClr val="tx1"/>
+              </a:fontRef>
+            </p:style>
+          </p:cxnSp>
+          <p:cxnSp>
+            <p:nvCxnSpPr>
+              <p:cNvPr id="22" name="直接连接符 21"/>
+              <p:cNvCxnSpPr>
+                <a:stCxn id="2" idx="1"/>
+              </p:cNvCxnSpPr>
+              <p:nvPr/>
+            </p:nvCxnSpPr>
+            <p:spPr>
+              <a:xfrm flipH="1">
+                <a:off x="1811215" y="4011868"/>
+                <a:ext cx="241788" cy="6217"/>
+              </a:xfrm>
+              <a:prstGeom prst="line">
+                <a:avLst/>
+              </a:prstGeom>
+              <a:ln w="25400">
+                <a:solidFill>
+                  <a:srgbClr val="FFC000"/>
+                </a:solidFill>
+              </a:ln>
+            </p:spPr>
+            <p:style>
+              <a:lnRef idx="1">
+                <a:schemeClr val="accent1"/>
+              </a:lnRef>
+              <a:fillRef idx="0">
+                <a:schemeClr val="accent1"/>
+              </a:fillRef>
+              <a:effectRef idx="0">
+                <a:schemeClr val="accent1"/>
+              </a:effectRef>
+              <a:fontRef idx="minor">
+                <a:schemeClr val="tx1"/>
+              </a:fontRef>
+            </p:style>
+          </p:cxnSp>
+          <p:sp>
+            <p:nvSpPr>
+              <p:cNvPr id="26" name="右箭头 25"/>
+              <p:cNvSpPr/>
+              <p:nvPr/>
+            </p:nvSpPr>
+            <p:spPr>
+              <a:xfrm>
+                <a:off x="140675" y="1728034"/>
+                <a:ext cx="1793631" cy="888434"/>
+              </a:xfrm>
+              <a:prstGeom prst="rightArrow">
+                <a:avLst/>
+              </a:prstGeom>
+            </p:spPr>
+            <p:style>
+              <a:lnRef idx="2">
+                <a:schemeClr val="accent4">
+                  <a:shade val="50000"/>
+                </a:schemeClr>
+              </a:lnRef>
+              <a:fillRef idx="1">
+                <a:schemeClr val="accent4"/>
+              </a:fillRef>
+              <a:effectRef idx="0">
+                <a:schemeClr val="accent4"/>
+              </a:effectRef>
+              <a:fontRef idx="minor">
+                <a:schemeClr val="lt1"/>
+              </a:fontRef>
+            </p:style>
+            <p:txBody>
+              <a:bodyPr rtlCol="0" anchor="ctr"/>
+              <a:lstStyle/>
+              <a:p>
+                <a:pPr algn="ctr"/>
+                <a:r>
+                  <a:rPr lang="zh-CN" altLang="en-US" dirty="0">
+                    <a:ln w="0"/>
+                    <a:solidFill>
+                      <a:schemeClr val="tx1"/>
+                    </a:solidFill>
+                    <a:effectLst>
+                      <a:outerShdw blurRad="38100" dist="19050" dir="2700000" algn="tl" rotWithShape="0">
+                        <a:schemeClr val="dk1">
+                          <a:alpha val="40000"/>
+                        </a:schemeClr>
+                      </a:outerShdw>
+                    </a:effectLst>
+                  </a:rPr>
+                  <a:t>能量</a:t>
+                </a:r>
+              </a:p>
+            </p:txBody>
+          </p:sp>
+        </p:grpSp>
+      </p:grpSp>
+    </p:spTree>
+    <p:extLst>
+      <p:ext uri="{BB962C8B-B14F-4D97-AF65-F5344CB8AC3E}">
+        <p14:creationId xmlns:p14="http://schemas.microsoft.com/office/powerpoint/2010/main" val="4169202057"/>
+      </p:ext>
+    </p:extLst>
+  </p:cSld>
+  <p:clrMapOvr>
+    <a:masterClrMapping/>
+  </p:clrMapOvr>
+</p:sld>
+</file>
+
+<file path=ppt/slides/slide5.xml><?xml version="1.0" encoding="utf-8"?>
+<p:sld xmlns:a="http://schemas.openxmlformats.org/drawingml/2006/main" xmlns:r="http://schemas.openxmlformats.org/officeDocument/2006/relationships" xmlns:p="http://schemas.openxmlformats.org/presentationml/2006/main">
+  <p:cSld>
+    <p:spTree>
+      <p:nvGrpSpPr>
+        <p:cNvPr id="1" name=""/>
+        <p:cNvGrpSpPr/>
+        <p:nvPr/>
+      </p:nvGrpSpPr>
+      <p:grpSpPr>
+        <a:xfrm>
+          <a:off x="0" y="0"/>
+          <a:ext cx="0" cy="0"/>
+          <a:chOff x="0" y="0"/>
+          <a:chExt cx="0" cy="0"/>
+        </a:xfrm>
+      </p:grpSpPr>
+      <p:sp>
+        <p:nvSpPr>
+          <p:cNvPr id="4" name="矩形 3"/>
+          <p:cNvSpPr/>
+          <p:nvPr/>
+        </p:nvSpPr>
+        <p:spPr>
+          <a:xfrm>
+            <a:off x="2800926" y="2761692"/>
+            <a:ext cx="1644677" cy="644955"/>
+          </a:xfrm>
+          <a:prstGeom prst="rect">
+            <a:avLst/>
+          </a:prstGeom>
+          <a:noFill/>
+          <a:ln w="25400">
+            <a:solidFill>
+              <a:schemeClr val="tx1"/>
+            </a:solidFill>
+          </a:ln>
+        </p:spPr>
+        <p:style>
+          <a:lnRef idx="2">
+            <a:schemeClr val="accent1">
+              <a:shade val="50000"/>
+            </a:schemeClr>
+          </a:lnRef>
+          <a:fillRef idx="1">
+            <a:schemeClr val="accent1"/>
+          </a:fillRef>
+          <a:effectRef idx="0">
+            <a:schemeClr val="accent1"/>
+          </a:effectRef>
+          <a:fontRef idx="minor">
+            <a:schemeClr val="lt1"/>
+          </a:fontRef>
+        </p:style>
+        <p:txBody>
+          <a:bodyPr rtlCol="0" anchor="ctr"/>
+          <a:lstStyle/>
+          <a:p>
+            <a:pPr algn="ctr"/>
+            <a:r>
+              <a:rPr lang="en-US" altLang="zh-CN" dirty="0" smtClean="0">
+                <a:ln w="0"/>
+                <a:solidFill>
+                  <a:schemeClr val="tx1"/>
+                </a:solidFill>
+                <a:effectLst>
+                  <a:outerShdw blurRad="38100" dist="19050" dir="2700000" algn="tl" rotWithShape="0">
+                    <a:schemeClr val="dk1">
+                      <a:alpha val="40000"/>
+                    </a:schemeClr>
+                  </a:outerShdw>
+                </a:effectLst>
+              </a:rPr>
+              <a:t>CPU</a:t>
+            </a:r>
+            <a:endParaRPr lang="zh-CN" altLang="en-US" dirty="0"/>
+          </a:p>
+        </p:txBody>
+      </p:sp>
+      <p:sp>
+        <p:nvSpPr>
+          <p:cNvPr id="5" name="矩形 4"/>
+          <p:cNvSpPr/>
+          <p:nvPr/>
+        </p:nvSpPr>
+        <p:spPr>
+          <a:xfrm>
+            <a:off x="2790247" y="3700966"/>
+            <a:ext cx="1644677" cy="339379"/>
+          </a:xfrm>
+          <a:prstGeom prst="rect">
+            <a:avLst/>
+          </a:prstGeom>
+          <a:noFill/>
+          <a:ln w="25400">
+            <a:solidFill>
+              <a:schemeClr val="tx1"/>
+            </a:solidFill>
+          </a:ln>
+        </p:spPr>
+        <p:style>
+          <a:lnRef idx="2">
+            <a:schemeClr val="accent1">
+              <a:shade val="50000"/>
+            </a:schemeClr>
+          </a:lnRef>
+          <a:fillRef idx="1">
+            <a:schemeClr val="accent1"/>
+          </a:fillRef>
+          <a:effectRef idx="0">
+            <a:schemeClr val="accent1"/>
+          </a:effectRef>
+          <a:fontRef idx="minor">
+            <a:schemeClr val="lt1"/>
+          </a:fontRef>
+        </p:style>
+        <p:txBody>
+          <a:bodyPr rtlCol="0" anchor="ctr"/>
+          <a:lstStyle/>
+          <a:p>
+            <a:pPr algn="ctr"/>
+            <a:r>
+              <a:rPr lang="zh-CN" altLang="en-US" dirty="0">
+                <a:ln w="0"/>
+                <a:solidFill>
+                  <a:schemeClr val="tx1"/>
+                </a:solidFill>
+                <a:effectLst>
+                  <a:outerShdw blurRad="38100" dist="19050" dir="2700000" algn="tl" rotWithShape="0">
+                    <a:schemeClr val="dk1">
+                      <a:alpha val="40000"/>
+                    </a:schemeClr>
+                  </a:outerShdw>
+                </a:effectLst>
+              </a:rPr>
+              <a:t>寄存器</a:t>
+            </a:r>
+            <a:endParaRPr lang="zh-CN" altLang="en-US" dirty="0"/>
+          </a:p>
+        </p:txBody>
+      </p:sp>
+      <p:sp>
+        <p:nvSpPr>
+          <p:cNvPr id="6" name="矩形 5"/>
+          <p:cNvSpPr/>
+          <p:nvPr/>
+        </p:nvSpPr>
+        <p:spPr>
+          <a:xfrm>
+            <a:off x="5004508" y="2761692"/>
+            <a:ext cx="704861" cy="1278652"/>
+          </a:xfrm>
+          <a:prstGeom prst="rect">
+            <a:avLst/>
+          </a:prstGeom>
+          <a:noFill/>
+          <a:ln w="25400">
+            <a:solidFill>
+              <a:schemeClr val="tx1"/>
+            </a:solidFill>
+          </a:ln>
+        </p:spPr>
+        <p:style>
+          <a:lnRef idx="2">
+            <a:schemeClr val="accent1">
+              <a:shade val="50000"/>
+            </a:schemeClr>
+          </a:lnRef>
+          <a:fillRef idx="1">
+            <a:schemeClr val="accent1"/>
+          </a:fillRef>
+          <a:effectRef idx="0">
+            <a:schemeClr val="accent1"/>
+          </a:effectRef>
+          <a:fontRef idx="minor">
+            <a:schemeClr val="lt1"/>
+          </a:fontRef>
+        </p:style>
+        <p:txBody>
+          <a:bodyPr rtlCol="0" anchor="ctr"/>
+          <a:lstStyle/>
+          <a:p>
+            <a:pPr algn="ctr"/>
+            <a:r>
+              <a:rPr lang="zh-CN" altLang="en-US" dirty="0" smtClean="0">
+                <a:ln w="0"/>
+                <a:solidFill>
+                  <a:schemeClr val="tx1"/>
+                </a:solidFill>
+                <a:effectLst>
+                  <a:outerShdw blurRad="38100" dist="19050" dir="2700000" algn="tl" rotWithShape="0">
+                    <a:schemeClr val="dk1">
+                      <a:alpha val="40000"/>
+                    </a:schemeClr>
+                  </a:outerShdw>
+                </a:effectLst>
+              </a:rPr>
+              <a:t>内存</a:t>
+            </a:r>
+            <a:r>
+              <a:rPr lang="en-US" altLang="zh-CN" dirty="0" smtClean="0">
+                <a:ln w="0"/>
+                <a:solidFill>
+                  <a:schemeClr val="tx1"/>
+                </a:solidFill>
+                <a:effectLst>
+                  <a:outerShdw blurRad="38100" dist="19050" dir="2700000" algn="tl" rotWithShape="0">
+                    <a:schemeClr val="dk1">
+                      <a:alpha val="40000"/>
+                    </a:schemeClr>
+                  </a:outerShdw>
+                </a:effectLst>
+              </a:rPr>
+              <a:t>&amp;</a:t>
+            </a:r>
+            <a:r>
+              <a:rPr lang="zh-CN" altLang="en-US" dirty="0" smtClean="0">
+                <a:ln w="0"/>
+                <a:solidFill>
+                  <a:schemeClr val="tx1"/>
+                </a:solidFill>
+                <a:effectLst>
+                  <a:outerShdw blurRad="38100" dist="19050" dir="2700000" algn="tl" rotWithShape="0">
+                    <a:schemeClr val="dk1">
+                      <a:alpha val="40000"/>
+                    </a:schemeClr>
+                  </a:outerShdw>
+                </a:effectLst>
+              </a:rPr>
+              <a:t>缓存</a:t>
+            </a:r>
+            <a:endParaRPr lang="zh-CN" altLang="en-US" dirty="0"/>
+          </a:p>
+        </p:txBody>
+      </p:sp>
+      <p:sp>
+        <p:nvSpPr>
+          <p:cNvPr id="7" name="矩形 6"/>
+          <p:cNvSpPr/>
+          <p:nvPr/>
+        </p:nvSpPr>
+        <p:spPr>
+          <a:xfrm>
+            <a:off x="6727501" y="1351969"/>
+            <a:ext cx="761820" cy="2506175"/>
+          </a:xfrm>
+          <a:prstGeom prst="rect">
+            <a:avLst/>
+          </a:prstGeom>
+          <a:noFill/>
+          <a:ln w="25400">
+            <a:solidFill>
+              <a:schemeClr val="tx1"/>
+            </a:solidFill>
+          </a:ln>
+        </p:spPr>
+        <p:style>
+          <a:lnRef idx="2">
+            <a:schemeClr val="accent1">
+              <a:shade val="50000"/>
+            </a:schemeClr>
+          </a:lnRef>
+          <a:fillRef idx="1">
+            <a:schemeClr val="accent1"/>
+          </a:fillRef>
+          <a:effectRef idx="0">
+            <a:schemeClr val="accent1"/>
+          </a:effectRef>
+          <a:fontRef idx="minor">
+            <a:schemeClr val="lt1"/>
+          </a:fontRef>
+        </p:style>
+        <p:txBody>
+          <a:bodyPr rtlCol="0" anchor="ctr"/>
+          <a:lstStyle/>
+          <a:p>
+            <a:pPr algn="ctr"/>
+            <a:r>
+              <a:rPr lang="zh-CN" altLang="en-US" dirty="0" smtClean="0">
+                <a:ln w="0"/>
+                <a:solidFill>
+                  <a:schemeClr val="tx1"/>
+                </a:solidFill>
+                <a:effectLst>
+                  <a:outerShdw blurRad="38100" dist="19050" dir="2700000" algn="tl" rotWithShape="0">
+                    <a:schemeClr val="dk1">
+                      <a:alpha val="40000"/>
+                    </a:schemeClr>
+                  </a:outerShdw>
+                </a:effectLst>
+              </a:rPr>
+              <a:t>外设</a:t>
+            </a:r>
+            <a:endParaRPr lang="zh-CN" altLang="en-US" dirty="0"/>
+          </a:p>
+        </p:txBody>
+      </p:sp>
+      <p:grpSp>
+        <p:nvGrpSpPr>
+          <p:cNvPr id="30" name="组合 29"/>
+          <p:cNvGrpSpPr/>
+          <p:nvPr/>
+        </p:nvGrpSpPr>
+        <p:grpSpPr>
+          <a:xfrm>
+            <a:off x="2790247" y="1021345"/>
+            <a:ext cx="3267995" cy="1210368"/>
+            <a:chOff x="2790247" y="1021345"/>
+            <a:chExt cx="3267995" cy="1210368"/>
+          </a:xfrm>
+        </p:grpSpPr>
+        <p:sp>
+          <p:nvSpPr>
+            <p:cNvPr id="8" name="矩形 7"/>
+            <p:cNvSpPr/>
+            <p:nvPr/>
+          </p:nvSpPr>
+          <p:spPr>
+            <a:xfrm>
+              <a:off x="2790247" y="1021345"/>
+              <a:ext cx="3267995" cy="1210368"/>
+            </a:xfrm>
+            <a:prstGeom prst="rect">
+              <a:avLst/>
+            </a:prstGeom>
+            <a:noFill/>
+            <a:ln w="63500">
+              <a:solidFill>
+                <a:schemeClr val="accent1">
+                  <a:shade val="50000"/>
+                  <a:alpha val="50000"/>
+                </a:schemeClr>
+              </a:solidFill>
+            </a:ln>
+          </p:spPr>
+          <p:style>
+            <a:lnRef idx="2">
+              <a:schemeClr val="accent1">
+                <a:shade val="50000"/>
+              </a:schemeClr>
+            </a:lnRef>
+            <a:fillRef idx="1">
+              <a:schemeClr val="accent1"/>
+            </a:fillRef>
+            <a:effectRef idx="0">
+              <a:schemeClr val="accent1"/>
+            </a:effectRef>
+            <a:fontRef idx="minor">
+              <a:schemeClr val="lt1"/>
+            </a:fontRef>
+          </p:style>
+          <p:txBody>
+            <a:bodyPr rtlCol="0" anchor="ctr"/>
+            <a:lstStyle/>
+            <a:p>
+              <a:pPr algn="ctr"/>
+              <a:endParaRPr lang="zh-CN" altLang="en-US"/>
+            </a:p>
+          </p:txBody>
+        </p:sp>
+        <p:sp>
+          <p:nvSpPr>
+            <p:cNvPr id="9" name="矩形 8"/>
+            <p:cNvSpPr/>
+            <p:nvPr/>
+          </p:nvSpPr>
+          <p:spPr>
+            <a:xfrm>
+              <a:off x="3018080" y="1204532"/>
+              <a:ext cx="1110690" cy="788221"/>
+            </a:xfrm>
+            <a:prstGeom prst="rect">
+              <a:avLst/>
+            </a:prstGeom>
+            <a:noFill/>
+            <a:ln w="25400">
+              <a:solidFill>
+                <a:schemeClr val="tx1"/>
+              </a:solidFill>
+            </a:ln>
+          </p:spPr>
+          <p:style>
+            <a:lnRef idx="2">
+              <a:schemeClr val="accent1">
+                <a:shade val="50000"/>
+              </a:schemeClr>
+            </a:lnRef>
+            <a:fillRef idx="1">
+              <a:schemeClr val="accent1"/>
+            </a:fillRef>
+            <a:effectRef idx="0">
+              <a:schemeClr val="accent1"/>
+            </a:effectRef>
+            <a:fontRef idx="minor">
+              <a:schemeClr val="lt1"/>
+            </a:fontRef>
+          </p:style>
+          <p:txBody>
+            <a:bodyPr rtlCol="0" anchor="ctr"/>
+            <a:lstStyle/>
+            <a:p>
+              <a:pPr algn="ctr"/>
+              <a:r>
+                <a:rPr lang="zh-CN" altLang="en-US" dirty="0" smtClean="0">
+                  <a:ln w="0"/>
+                  <a:solidFill>
+                    <a:schemeClr val="tx1"/>
+                  </a:solidFill>
+                  <a:effectLst>
+                    <a:outerShdw blurRad="38100" dist="19050" dir="2700000" algn="tl" rotWithShape="0">
+                      <a:schemeClr val="dk1">
+                        <a:alpha val="40000"/>
+                      </a:schemeClr>
+                    </a:outerShdw>
+                  </a:effectLst>
+                </a:rPr>
+                <a:t>能量储存（电容）</a:t>
+              </a:r>
+              <a:endParaRPr lang="zh-CN" altLang="en-US" dirty="0"/>
+            </a:p>
+          </p:txBody>
+        </p:sp>
+        <p:sp>
+          <p:nvSpPr>
+            <p:cNvPr id="10" name="矩形 9"/>
+            <p:cNvSpPr/>
+            <p:nvPr/>
+          </p:nvSpPr>
+          <p:spPr>
+            <a:xfrm>
+              <a:off x="4570199" y="1204532"/>
+              <a:ext cx="1267328" cy="282715"/>
+            </a:xfrm>
+            <a:prstGeom prst="rect">
+              <a:avLst/>
+            </a:prstGeom>
+            <a:noFill/>
+            <a:ln w="25400">
+              <a:solidFill>
+                <a:schemeClr val="tx1"/>
+              </a:solidFill>
+            </a:ln>
+          </p:spPr>
+          <p:style>
+            <a:lnRef idx="2">
+              <a:schemeClr val="accent1">
+                <a:shade val="50000"/>
+              </a:schemeClr>
+            </a:lnRef>
+            <a:fillRef idx="1">
+              <a:schemeClr val="accent1"/>
+            </a:fillRef>
+            <a:effectRef idx="0">
+              <a:schemeClr val="accent1"/>
+            </a:effectRef>
+            <a:fontRef idx="minor">
+              <a:schemeClr val="lt1"/>
+            </a:fontRef>
+          </p:style>
+          <p:txBody>
+            <a:bodyPr rtlCol="0" anchor="ctr"/>
+            <a:lstStyle/>
+            <a:p>
+              <a:pPr algn="ctr"/>
+              <a:r>
+                <a:rPr lang="zh-CN" altLang="en-US" dirty="0" smtClean="0">
+                  <a:ln w="0"/>
+                  <a:solidFill>
+                    <a:schemeClr val="tx1"/>
+                  </a:solidFill>
+                  <a:effectLst>
+                    <a:outerShdw blurRad="38100" dist="19050" dir="2700000" algn="tl" rotWithShape="0">
+                      <a:schemeClr val="dk1">
+                        <a:alpha val="40000"/>
+                      </a:schemeClr>
+                    </a:outerShdw>
+                  </a:effectLst>
+                </a:rPr>
+                <a:t>电压检测</a:t>
+              </a:r>
+              <a:endParaRPr lang="zh-CN" altLang="en-US" dirty="0"/>
+            </a:p>
+          </p:txBody>
+        </p:sp>
+        <p:sp>
+          <p:nvSpPr>
+            <p:cNvPr id="11" name="矩形 10"/>
+            <p:cNvSpPr/>
+            <p:nvPr/>
+          </p:nvSpPr>
+          <p:spPr>
+            <a:xfrm>
+              <a:off x="4570199" y="1708927"/>
+              <a:ext cx="1267328" cy="282715"/>
+            </a:xfrm>
+            <a:prstGeom prst="rect">
+              <a:avLst/>
+            </a:prstGeom>
+            <a:noFill/>
+            <a:ln w="25400">
+              <a:solidFill>
+                <a:schemeClr val="tx1"/>
+              </a:solidFill>
+            </a:ln>
+          </p:spPr>
+          <p:style>
+            <a:lnRef idx="2">
+              <a:schemeClr val="accent1">
+                <a:shade val="50000"/>
+              </a:schemeClr>
+            </a:lnRef>
+            <a:fillRef idx="1">
+              <a:schemeClr val="accent1"/>
+            </a:fillRef>
+            <a:effectRef idx="0">
+              <a:schemeClr val="accent1"/>
+            </a:effectRef>
+            <a:fontRef idx="minor">
+              <a:schemeClr val="lt1"/>
+            </a:fontRef>
+          </p:style>
+          <p:txBody>
+            <a:bodyPr rtlCol="0" anchor="ctr"/>
+            <a:lstStyle/>
+            <a:p>
+              <a:pPr algn="ctr"/>
+              <a:r>
+                <a:rPr lang="zh-CN" altLang="en-US" sz="1400" dirty="0" smtClean="0">
+                  <a:ln w="0"/>
+                  <a:solidFill>
+                    <a:schemeClr val="tx1"/>
+                  </a:solidFill>
+                  <a:effectLst>
+                    <a:outerShdw blurRad="38100" dist="19050" dir="2700000" algn="tl" rotWithShape="0">
+                      <a:schemeClr val="dk1">
+                        <a:alpha val="40000"/>
+                      </a:schemeClr>
+                    </a:outerShdw>
+                  </a:effectLst>
+                </a:rPr>
+                <a:t>系统状态管理</a:t>
+              </a:r>
+              <a:endParaRPr lang="zh-CN" altLang="en-US" sz="1400" dirty="0"/>
+            </a:p>
+          </p:txBody>
+        </p:sp>
+        <p:cxnSp>
+          <p:nvCxnSpPr>
+            <p:cNvPr id="12" name="直接箭头连接符 11"/>
+            <p:cNvCxnSpPr>
+              <a:stCxn id="10" idx="1"/>
+            </p:cNvCxnSpPr>
+            <p:nvPr/>
+          </p:nvCxnSpPr>
+          <p:spPr>
+            <a:xfrm flipH="1">
+              <a:off x="4128770" y="1345889"/>
+              <a:ext cx="441429" cy="0"/>
+            </a:xfrm>
+            <a:prstGeom prst="straightConnector1">
+              <a:avLst/>
+            </a:prstGeom>
+            <a:ln w="25400">
+              <a:solidFill>
+                <a:schemeClr val="tx1"/>
+              </a:solidFill>
+              <a:headEnd type="triangle"/>
+              <a:tailEnd type="triangle"/>
+            </a:ln>
+          </p:spPr>
+          <p:style>
+            <a:lnRef idx="1">
+              <a:schemeClr val="accent1"/>
+            </a:lnRef>
+            <a:fillRef idx="0">
+              <a:schemeClr val="accent1"/>
+            </a:fillRef>
+            <a:effectRef idx="0">
+              <a:schemeClr val="accent1"/>
+            </a:effectRef>
+            <a:fontRef idx="minor">
+              <a:schemeClr val="tx1"/>
+            </a:fontRef>
+          </p:style>
+        </p:cxnSp>
+        <p:cxnSp>
+          <p:nvCxnSpPr>
+            <p:cNvPr id="13" name="直接箭头连接符 12"/>
+            <p:cNvCxnSpPr/>
+            <p:nvPr/>
+          </p:nvCxnSpPr>
+          <p:spPr>
+            <a:xfrm>
+              <a:off x="5214542" y="1487246"/>
+              <a:ext cx="0" cy="221682"/>
+            </a:xfrm>
+            <a:prstGeom prst="straightConnector1">
+              <a:avLst/>
+            </a:prstGeom>
+            <a:ln w="25400">
+              <a:solidFill>
+                <a:schemeClr val="tx1"/>
+              </a:solidFill>
+              <a:headEnd type="triangle"/>
+              <a:tailEnd type="triangle"/>
+            </a:ln>
+          </p:spPr>
+          <p:style>
+            <a:lnRef idx="1">
+              <a:schemeClr val="accent1"/>
+            </a:lnRef>
+            <a:fillRef idx="0">
+              <a:schemeClr val="accent1"/>
+            </a:fillRef>
+            <a:effectRef idx="0">
+              <a:schemeClr val="accent1"/>
+            </a:effectRef>
+            <a:fontRef idx="minor">
+              <a:schemeClr val="tx1"/>
+            </a:fontRef>
+          </p:style>
+        </p:cxnSp>
+      </p:grpSp>
+      <p:cxnSp>
+        <p:nvCxnSpPr>
+          <p:cNvPr id="14" name="直接连接符 13"/>
+          <p:cNvCxnSpPr>
+            <a:stCxn id="4" idx="0"/>
+          </p:cNvCxnSpPr>
+          <p:nvPr/>
+        </p:nvCxnSpPr>
+        <p:spPr>
+          <a:xfrm flipH="1" flipV="1">
+            <a:off x="3623264" y="2605057"/>
+            <a:ext cx="1" cy="156635"/>
+          </a:xfrm>
+          <a:prstGeom prst="line">
+            <a:avLst/>
+          </a:prstGeom>
+          <a:ln w="25400">
+            <a:solidFill>
+              <a:srgbClr val="FF0000"/>
+            </a:solidFill>
+          </a:ln>
+        </p:spPr>
+        <p:style>
+          <a:lnRef idx="1">
+            <a:schemeClr val="accent1"/>
+          </a:lnRef>
+          <a:fillRef idx="0">
+            <a:schemeClr val="accent1"/>
+          </a:fillRef>
+          <a:effectRef idx="0">
+            <a:schemeClr val="accent1"/>
+          </a:effectRef>
+          <a:fontRef idx="minor">
+            <a:schemeClr val="tx1"/>
+          </a:fontRef>
+        </p:style>
+      </p:cxnSp>
+      <p:cxnSp>
+        <p:nvCxnSpPr>
+          <p:cNvPr id="15" name="直接连接符 14"/>
+          <p:cNvCxnSpPr>
+            <a:stCxn id="6" idx="0"/>
+          </p:cNvCxnSpPr>
+          <p:nvPr/>
+        </p:nvCxnSpPr>
+        <p:spPr>
+          <a:xfrm flipV="1">
+            <a:off x="5356939" y="2605057"/>
+            <a:ext cx="0" cy="156635"/>
+          </a:xfrm>
+          <a:prstGeom prst="line">
+            <a:avLst/>
+          </a:prstGeom>
+          <a:ln w="25400">
+            <a:solidFill>
+              <a:srgbClr val="FF0000"/>
+            </a:solidFill>
+          </a:ln>
+        </p:spPr>
+        <p:style>
+          <a:lnRef idx="1">
+            <a:schemeClr val="accent1"/>
+          </a:lnRef>
+          <a:fillRef idx="0">
+            <a:schemeClr val="accent1"/>
+          </a:fillRef>
+          <a:effectRef idx="0">
+            <a:schemeClr val="accent1"/>
+          </a:effectRef>
+          <a:fontRef idx="minor">
+            <a:schemeClr val="tx1"/>
+          </a:fontRef>
+        </p:style>
+      </p:cxnSp>
+      <p:cxnSp>
+        <p:nvCxnSpPr>
+          <p:cNvPr id="16" name="直接连接符 15"/>
+          <p:cNvCxnSpPr/>
+          <p:nvPr/>
+        </p:nvCxnSpPr>
+        <p:spPr>
+          <a:xfrm>
+            <a:off x="3612585" y="3403087"/>
+            <a:ext cx="1" cy="301405"/>
+          </a:xfrm>
+          <a:prstGeom prst="line">
+            <a:avLst/>
+          </a:prstGeom>
+          <a:ln w="25400">
+            <a:solidFill>
+              <a:srgbClr val="FF0000"/>
+            </a:solidFill>
+          </a:ln>
+        </p:spPr>
+        <p:style>
+          <a:lnRef idx="1">
+            <a:schemeClr val="accent1"/>
+          </a:lnRef>
+          <a:fillRef idx="0">
+            <a:schemeClr val="accent1"/>
+          </a:fillRef>
+          <a:effectRef idx="0">
+            <a:schemeClr val="accent1"/>
+          </a:effectRef>
+          <a:fontRef idx="minor">
+            <a:schemeClr val="tx1"/>
+          </a:fontRef>
+        </p:style>
+      </p:cxnSp>
+      <p:sp>
+        <p:nvSpPr>
+          <p:cNvPr id="17" name="矩形 16"/>
+          <p:cNvSpPr/>
+          <p:nvPr/>
+        </p:nvSpPr>
+        <p:spPr>
+          <a:xfrm>
+            <a:off x="2790248" y="4427729"/>
+            <a:ext cx="3267995" cy="498388"/>
+          </a:xfrm>
+          <a:prstGeom prst="rect">
+            <a:avLst/>
+          </a:prstGeom>
+          <a:solidFill>
+            <a:schemeClr val="accent6">
+              <a:lumMod val="40000"/>
+              <a:lumOff val="60000"/>
+            </a:schemeClr>
+          </a:solidFill>
+          <a:ln w="25400">
+            <a:solidFill>
+              <a:schemeClr val="tx1"/>
+            </a:solidFill>
+          </a:ln>
+        </p:spPr>
+        <p:style>
+          <a:lnRef idx="2">
+            <a:schemeClr val="accent1">
+              <a:shade val="50000"/>
+            </a:schemeClr>
+          </a:lnRef>
+          <a:fillRef idx="1">
+            <a:schemeClr val="accent1"/>
+          </a:fillRef>
+          <a:effectRef idx="0">
+            <a:schemeClr val="accent1"/>
+          </a:effectRef>
+          <a:fontRef idx="minor">
+            <a:schemeClr val="lt1"/>
+          </a:fontRef>
+        </p:style>
+        <p:txBody>
+          <a:bodyPr rtlCol="0" anchor="ctr"/>
+          <a:lstStyle/>
+          <a:p>
+            <a:pPr algn="ctr"/>
+            <a:r>
+              <a:rPr lang="zh-CN" altLang="en-US" dirty="0">
+                <a:ln w="0"/>
+                <a:solidFill>
+                  <a:schemeClr val="tx1"/>
+                </a:solidFill>
+                <a:effectLst>
+                  <a:outerShdw blurRad="38100" dist="19050" dir="2700000" algn="tl" rotWithShape="0">
+                    <a:schemeClr val="dk1">
+                      <a:alpha val="40000"/>
+                    </a:schemeClr>
+                  </a:outerShdw>
+                </a:effectLst>
+              </a:rPr>
+              <a:t>非易</a:t>
+            </a:r>
+            <a:r>
+              <a:rPr lang="zh-CN" altLang="en-US" dirty="0" smtClean="0">
+                <a:ln w="0"/>
+                <a:solidFill>
+                  <a:schemeClr val="tx1"/>
+                </a:solidFill>
+                <a:effectLst>
+                  <a:outerShdw blurRad="38100" dist="19050" dir="2700000" algn="tl" rotWithShape="0">
+                    <a:schemeClr val="dk1">
+                      <a:alpha val="40000"/>
+                    </a:schemeClr>
+                  </a:outerShdw>
+                </a:effectLst>
+              </a:rPr>
+              <a:t>失储存器</a:t>
+            </a:r>
+            <a:endParaRPr lang="zh-CN" altLang="en-US" dirty="0">
+              <a:ln w="0"/>
+              <a:solidFill>
+                <a:schemeClr val="tx1"/>
+              </a:solidFill>
+              <a:effectLst>
+                <a:outerShdw blurRad="38100" dist="19050" dir="2700000" algn="tl" rotWithShape="0">
+                  <a:schemeClr val="dk1">
+                    <a:alpha val="40000"/>
+                  </a:schemeClr>
+                </a:outerShdw>
+              </a:effectLst>
+            </a:endParaRPr>
+          </a:p>
+        </p:txBody>
+      </p:sp>
+      <p:cxnSp>
+        <p:nvCxnSpPr>
+          <p:cNvPr id="18" name="直接连接符 17"/>
+          <p:cNvCxnSpPr/>
+          <p:nvPr/>
+        </p:nvCxnSpPr>
+        <p:spPr>
+          <a:xfrm>
+            <a:off x="2434256" y="2605057"/>
+            <a:ext cx="4293248" cy="0"/>
+          </a:xfrm>
+          <a:prstGeom prst="line">
+            <a:avLst/>
+          </a:prstGeom>
+          <a:ln w="25400">
+            <a:solidFill>
+              <a:srgbClr val="FF0000"/>
+            </a:solidFill>
+          </a:ln>
+        </p:spPr>
+        <p:style>
+          <a:lnRef idx="1">
+            <a:schemeClr val="accent1"/>
+          </a:lnRef>
+          <a:fillRef idx="0">
+            <a:schemeClr val="accent1"/>
+          </a:fillRef>
+          <a:effectRef idx="0">
+            <a:schemeClr val="accent1"/>
+          </a:effectRef>
+          <a:fontRef idx="minor">
+            <a:schemeClr val="tx1"/>
+          </a:fontRef>
+        </p:style>
+      </p:cxnSp>
+      <p:cxnSp>
+        <p:nvCxnSpPr>
+          <p:cNvPr id="19" name="直接连接符 18"/>
+          <p:cNvCxnSpPr/>
+          <p:nvPr/>
+        </p:nvCxnSpPr>
+        <p:spPr>
+          <a:xfrm>
+            <a:off x="5209203" y="2231713"/>
+            <a:ext cx="5339" cy="529979"/>
+          </a:xfrm>
+          <a:prstGeom prst="line">
+            <a:avLst/>
+          </a:prstGeom>
+          <a:ln w="25400">
+            <a:solidFill>
+              <a:srgbClr val="FFC000"/>
+            </a:solidFill>
+          </a:ln>
+        </p:spPr>
+        <p:style>
+          <a:lnRef idx="1">
+            <a:schemeClr val="accent1"/>
+          </a:lnRef>
+          <a:fillRef idx="0">
+            <a:schemeClr val="accent1"/>
+          </a:fillRef>
+          <a:effectRef idx="0">
+            <a:schemeClr val="accent1"/>
+          </a:effectRef>
+          <a:fontRef idx="minor">
+            <a:schemeClr val="tx1"/>
+          </a:fontRef>
+        </p:style>
+      </p:cxnSp>
+      <p:cxnSp>
+        <p:nvCxnSpPr>
+          <p:cNvPr id="25" name="直接连接符 24"/>
+          <p:cNvCxnSpPr>
+            <a:stCxn id="5" idx="2"/>
+          </p:cNvCxnSpPr>
+          <p:nvPr/>
+        </p:nvCxnSpPr>
+        <p:spPr>
+          <a:xfrm flipH="1">
+            <a:off x="3612585" y="4040344"/>
+            <a:ext cx="1" cy="387385"/>
+          </a:xfrm>
+          <a:prstGeom prst="line">
+            <a:avLst/>
+          </a:prstGeom>
+          <a:ln w="25400">
+            <a:solidFill>
+              <a:schemeClr val="accent6">
+                <a:lumMod val="50000"/>
+              </a:schemeClr>
+            </a:solidFill>
+          </a:ln>
+        </p:spPr>
+        <p:style>
+          <a:lnRef idx="1">
+            <a:schemeClr val="accent1"/>
+          </a:lnRef>
+          <a:fillRef idx="0">
+            <a:schemeClr val="accent1"/>
+          </a:fillRef>
+          <a:effectRef idx="0">
+            <a:schemeClr val="accent1"/>
+          </a:effectRef>
+          <a:fontRef idx="minor">
+            <a:schemeClr val="tx1"/>
+          </a:fontRef>
+        </p:style>
+      </p:cxnSp>
+      <p:cxnSp>
+        <p:nvCxnSpPr>
+          <p:cNvPr id="26" name="直接连接符 25"/>
+          <p:cNvCxnSpPr>
+            <a:stCxn id="6" idx="2"/>
+          </p:cNvCxnSpPr>
+          <p:nvPr/>
+        </p:nvCxnSpPr>
+        <p:spPr>
+          <a:xfrm>
+            <a:off x="5356939" y="4040344"/>
+            <a:ext cx="0" cy="387385"/>
+          </a:xfrm>
+          <a:prstGeom prst="line">
+            <a:avLst/>
+          </a:prstGeom>
+          <a:ln w="25400">
+            <a:solidFill>
+              <a:schemeClr val="accent6">
+                <a:lumMod val="50000"/>
+              </a:schemeClr>
+            </a:solidFill>
+          </a:ln>
+        </p:spPr>
+        <p:style>
+          <a:lnRef idx="1">
+            <a:schemeClr val="accent1"/>
+          </a:lnRef>
+          <a:fillRef idx="0">
+            <a:schemeClr val="accent1"/>
+          </a:fillRef>
+          <a:effectRef idx="0">
+            <a:schemeClr val="accent1"/>
+          </a:effectRef>
+          <a:fontRef idx="minor">
+            <a:schemeClr val="tx1"/>
+          </a:fontRef>
+        </p:style>
+      </p:cxnSp>
+      <p:sp>
+        <p:nvSpPr>
+          <p:cNvPr id="27" name="矩形 26"/>
+          <p:cNvSpPr/>
+          <p:nvPr/>
+        </p:nvSpPr>
+        <p:spPr>
+          <a:xfrm>
+            <a:off x="2056906" y="910541"/>
+            <a:ext cx="4542441" cy="4236290"/>
+          </a:xfrm>
+          <a:prstGeom prst="rect">
+            <a:avLst/>
+          </a:prstGeom>
+          <a:noFill/>
+          <a:ln w="127000">
+            <a:solidFill>
+              <a:schemeClr val="bg1">
+                <a:lumMod val="75000"/>
+              </a:schemeClr>
+            </a:solidFill>
+          </a:ln>
+        </p:spPr>
+        <p:style>
+          <a:lnRef idx="2">
+            <a:schemeClr val="accent1">
+              <a:shade val="50000"/>
+            </a:schemeClr>
+          </a:lnRef>
+          <a:fillRef idx="1">
+            <a:schemeClr val="accent1"/>
+          </a:fillRef>
+          <a:effectRef idx="0">
+            <a:schemeClr val="accent1"/>
+          </a:effectRef>
+          <a:fontRef idx="minor">
+            <a:schemeClr val="lt1"/>
+          </a:fontRef>
+        </p:style>
+        <p:txBody>
+          <a:bodyPr rtlCol="0" anchor="ctr"/>
+          <a:lstStyle/>
+          <a:p>
+            <a:pPr algn="ctr"/>
+            <a:endParaRPr lang="zh-CN" altLang="en-US"/>
+          </a:p>
+        </p:txBody>
+      </p:sp>
+      <p:sp>
+        <p:nvSpPr>
+          <p:cNvPr id="28" name="右箭头 27"/>
+          <p:cNvSpPr/>
+          <p:nvPr/>
+        </p:nvSpPr>
+        <p:spPr>
+          <a:xfrm>
+            <a:off x="1252365" y="1234773"/>
+            <a:ext cx="1452442" cy="719434"/>
+          </a:xfrm>
+          <a:prstGeom prst="rightArrow">
+            <a:avLst/>
+          </a:prstGeom>
+        </p:spPr>
+        <p:style>
+          <a:lnRef idx="2">
+            <a:schemeClr val="accent4">
+              <a:shade val="50000"/>
+            </a:schemeClr>
+          </a:lnRef>
+          <a:fillRef idx="1">
+            <a:schemeClr val="accent4"/>
+          </a:fillRef>
+          <a:effectRef idx="0">
+            <a:schemeClr val="accent4"/>
+          </a:effectRef>
+          <a:fontRef idx="minor">
+            <a:schemeClr val="lt1"/>
+          </a:fontRef>
+        </p:style>
+        <p:txBody>
+          <a:bodyPr rtlCol="0" anchor="ctr"/>
+          <a:lstStyle/>
+          <a:p>
+            <a:pPr algn="ctr"/>
+            <a:r>
+              <a:rPr lang="zh-CN" altLang="en-US" dirty="0">
+                <a:ln w="0"/>
+                <a:solidFill>
+                  <a:schemeClr val="tx1"/>
+                </a:solidFill>
+                <a:effectLst>
+                  <a:outerShdw blurRad="38100" dist="19050" dir="2700000" algn="tl" rotWithShape="0">
+                    <a:schemeClr val="dk1">
+                      <a:alpha val="40000"/>
+                    </a:schemeClr>
+                  </a:outerShdw>
+                </a:effectLst>
+              </a:rPr>
+              <a:t>能量</a:t>
+            </a:r>
+          </a:p>
+        </p:txBody>
+      </p:sp>
+      <p:grpSp>
+        <p:nvGrpSpPr>
+          <p:cNvPr id="3" name="组合 2"/>
+          <p:cNvGrpSpPr/>
+          <p:nvPr/>
+        </p:nvGrpSpPr>
+        <p:grpSpPr>
+          <a:xfrm>
+            <a:off x="2605131" y="2037625"/>
+            <a:ext cx="4653963" cy="2736341"/>
+            <a:chOff x="2605131" y="2037625"/>
+            <a:chExt cx="4653963" cy="2736341"/>
+          </a:xfrm>
+        </p:grpSpPr>
+        <p:cxnSp>
+          <p:nvCxnSpPr>
+            <p:cNvPr id="20" name="直接连接符 19"/>
+            <p:cNvCxnSpPr/>
+            <p:nvPr/>
+          </p:nvCxnSpPr>
+          <p:spPr>
+            <a:xfrm flipH="1">
+              <a:off x="2605131" y="2427062"/>
+              <a:ext cx="2609411" cy="0"/>
+            </a:xfrm>
+            <a:prstGeom prst="line">
+              <a:avLst/>
+            </a:prstGeom>
+            <a:ln w="25400">
+              <a:solidFill>
+                <a:srgbClr val="FFC000"/>
+              </a:solidFill>
+            </a:ln>
+          </p:spPr>
+          <p:style>
+            <a:lnRef idx="1">
+              <a:schemeClr val="accent1"/>
+            </a:lnRef>
+            <a:fillRef idx="0">
+              <a:schemeClr val="accent1"/>
+            </a:fillRef>
+            <a:effectRef idx="0">
+              <a:schemeClr val="accent1"/>
+            </a:effectRef>
+            <a:fontRef idx="minor">
+              <a:schemeClr val="tx1"/>
+            </a:fontRef>
+          </p:style>
+        </p:cxnSp>
+        <p:cxnSp>
+          <p:nvCxnSpPr>
+            <p:cNvPr id="21" name="直接连接符 20"/>
+            <p:cNvCxnSpPr/>
+            <p:nvPr/>
+          </p:nvCxnSpPr>
+          <p:spPr>
+            <a:xfrm>
+              <a:off x="2605131" y="2412822"/>
+              <a:ext cx="0" cy="2264101"/>
+            </a:xfrm>
+            <a:prstGeom prst="line">
+              <a:avLst/>
+            </a:prstGeom>
+            <a:ln w="25400">
+              <a:solidFill>
+                <a:srgbClr val="FFC000"/>
+              </a:solidFill>
+            </a:ln>
+          </p:spPr>
+          <p:style>
+            <a:lnRef idx="1">
+              <a:schemeClr val="accent1"/>
+            </a:lnRef>
+            <a:fillRef idx="0">
+              <a:schemeClr val="accent1"/>
+            </a:fillRef>
+            <a:effectRef idx="0">
+              <a:schemeClr val="accent1"/>
+            </a:effectRef>
+            <a:fontRef idx="minor">
+              <a:schemeClr val="tx1"/>
+            </a:fontRef>
+          </p:style>
+        </p:cxnSp>
+        <p:cxnSp>
+          <p:nvCxnSpPr>
+            <p:cNvPr id="22" name="直接连接符 21"/>
+            <p:cNvCxnSpPr>
+              <a:endCxn id="17" idx="1"/>
+            </p:cNvCxnSpPr>
+            <p:nvPr/>
+          </p:nvCxnSpPr>
+          <p:spPr>
+            <a:xfrm>
+              <a:off x="2605131" y="4676923"/>
+              <a:ext cx="185117" cy="0"/>
+            </a:xfrm>
+            <a:prstGeom prst="line">
+              <a:avLst/>
+            </a:prstGeom>
+            <a:ln w="25400">
+              <a:solidFill>
+                <a:srgbClr val="FFC000"/>
+              </a:solidFill>
+            </a:ln>
+          </p:spPr>
+          <p:style>
+            <a:lnRef idx="1">
+              <a:schemeClr val="accent1"/>
+            </a:lnRef>
+            <a:fillRef idx="0">
+              <a:schemeClr val="accent1"/>
+            </a:fillRef>
+            <a:effectRef idx="0">
+              <a:schemeClr val="accent1"/>
+            </a:effectRef>
+            <a:fontRef idx="minor">
+              <a:schemeClr val="tx1"/>
+            </a:fontRef>
+          </p:style>
+        </p:cxnSp>
+        <p:cxnSp>
+          <p:nvCxnSpPr>
+            <p:cNvPr id="23" name="直接连接符 22"/>
+            <p:cNvCxnSpPr>
+              <a:endCxn id="5" idx="1"/>
+            </p:cNvCxnSpPr>
+            <p:nvPr/>
+          </p:nvCxnSpPr>
+          <p:spPr>
+            <a:xfrm>
+              <a:off x="2605131" y="3865264"/>
+              <a:ext cx="185116" cy="5392"/>
+            </a:xfrm>
+            <a:prstGeom prst="line">
+              <a:avLst/>
+            </a:prstGeom>
+            <a:ln w="25400">
+              <a:solidFill>
+                <a:srgbClr val="FFC000"/>
+              </a:solidFill>
+            </a:ln>
+          </p:spPr>
+          <p:style>
+            <a:lnRef idx="1">
+              <a:schemeClr val="accent1"/>
+            </a:lnRef>
+            <a:fillRef idx="0">
+              <a:schemeClr val="accent1"/>
+            </a:fillRef>
+            <a:effectRef idx="0">
+              <a:schemeClr val="accent1"/>
+            </a:effectRef>
+            <a:fontRef idx="minor">
+              <a:schemeClr val="tx1"/>
+            </a:fontRef>
+          </p:style>
+        </p:cxnSp>
+        <p:cxnSp>
+          <p:nvCxnSpPr>
+            <p:cNvPr id="24" name="直接连接符 23"/>
+            <p:cNvCxnSpPr>
+              <a:stCxn id="4" idx="1"/>
+            </p:cNvCxnSpPr>
+            <p:nvPr/>
+          </p:nvCxnSpPr>
+          <p:spPr>
+            <a:xfrm flipH="1">
+              <a:off x="2605131" y="3084170"/>
+              <a:ext cx="195795" cy="5034"/>
+            </a:xfrm>
+            <a:prstGeom prst="line">
+              <a:avLst/>
+            </a:prstGeom>
+            <a:ln w="25400">
+              <a:solidFill>
+                <a:srgbClr val="FFC000"/>
+              </a:solidFill>
+            </a:ln>
+          </p:spPr>
+          <p:style>
+            <a:lnRef idx="1">
+              <a:schemeClr val="accent1"/>
+            </a:lnRef>
+            <a:fillRef idx="0">
+              <a:schemeClr val="accent1"/>
+            </a:fillRef>
+            <a:effectRef idx="0">
+              <a:schemeClr val="accent1"/>
+            </a:effectRef>
+            <a:fontRef idx="minor">
+              <a:schemeClr val="tx1"/>
+            </a:fontRef>
+          </p:style>
+        </p:cxnSp>
+        <p:sp>
+          <p:nvSpPr>
+            <p:cNvPr id="36" name="矩形 35"/>
+            <p:cNvSpPr/>
+            <p:nvPr/>
+          </p:nvSpPr>
+          <p:spPr>
+            <a:xfrm>
+              <a:off x="4930254" y="2037625"/>
+              <a:ext cx="531593" cy="194088"/>
+            </a:xfrm>
+            <a:prstGeom prst="rect">
+              <a:avLst/>
+            </a:prstGeom>
+            <a:noFill/>
+            <a:ln w="25400">
+              <a:solidFill>
+                <a:srgbClr val="FFC000"/>
+              </a:solidFill>
+            </a:ln>
+          </p:spPr>
+          <p:style>
+            <a:lnRef idx="2">
+              <a:schemeClr val="accent1">
+                <a:shade val="50000"/>
+              </a:schemeClr>
+            </a:lnRef>
+            <a:fillRef idx="1">
+              <a:schemeClr val="accent1"/>
+            </a:fillRef>
+            <a:effectRef idx="0">
+              <a:schemeClr val="accent1"/>
+            </a:effectRef>
+            <a:fontRef idx="minor">
+              <a:schemeClr val="lt1"/>
+            </a:fontRef>
+          </p:style>
+          <p:txBody>
+            <a:bodyPr rtlCol="0" anchor="ctr"/>
+            <a:lstStyle/>
+            <a:p>
+              <a:pPr algn="ctr"/>
+              <a:r>
+                <a:rPr lang="en-US" altLang="zh-CN" sz="1200" dirty="0" err="1" smtClean="0">
+                  <a:ln w="0"/>
+                  <a:solidFill>
+                    <a:schemeClr val="tx1"/>
+                  </a:solidFill>
+                  <a:effectLst>
+                    <a:outerShdw blurRad="38100" dist="19050" dir="2700000" algn="tl" rotWithShape="0">
+                      <a:schemeClr val="dk1">
+                        <a:alpha val="40000"/>
+                      </a:schemeClr>
+                    </a:outerShdw>
+                  </a:effectLst>
+                </a:rPr>
+                <a:t>EngyPort</a:t>
+              </a:r>
+              <a:endParaRPr lang="zh-CN" altLang="en-US" dirty="0"/>
+            </a:p>
+          </p:txBody>
+        </p:sp>
+        <p:sp>
+          <p:nvSpPr>
+            <p:cNvPr id="37" name="矩形 36"/>
+            <p:cNvSpPr/>
+            <p:nvPr/>
+          </p:nvSpPr>
+          <p:spPr>
+            <a:xfrm>
+              <a:off x="5015187" y="2768041"/>
+              <a:ext cx="531593" cy="194088"/>
+            </a:xfrm>
+            <a:prstGeom prst="rect">
+              <a:avLst/>
+            </a:prstGeom>
+            <a:noFill/>
+            <a:ln w="25400">
+              <a:solidFill>
+                <a:srgbClr val="FFC000"/>
+              </a:solidFill>
+            </a:ln>
+          </p:spPr>
+          <p:style>
+            <a:lnRef idx="2">
+              <a:schemeClr val="accent1">
+                <a:shade val="50000"/>
+              </a:schemeClr>
+            </a:lnRef>
+            <a:fillRef idx="1">
+              <a:schemeClr val="accent1"/>
+            </a:fillRef>
+            <a:effectRef idx="0">
+              <a:schemeClr val="accent1"/>
+            </a:effectRef>
+            <a:fontRef idx="minor">
+              <a:schemeClr val="lt1"/>
+            </a:fontRef>
+          </p:style>
+          <p:txBody>
+            <a:bodyPr rtlCol="0" anchor="ctr"/>
+            <a:lstStyle/>
+            <a:p>
+              <a:pPr algn="ctr"/>
+              <a:r>
+                <a:rPr lang="en-US" altLang="zh-CN" sz="1200" dirty="0" err="1" smtClean="0">
+                  <a:ln w="0"/>
+                  <a:solidFill>
+                    <a:schemeClr val="tx1"/>
+                  </a:solidFill>
+                  <a:effectLst>
+                    <a:outerShdw blurRad="38100" dist="19050" dir="2700000" algn="tl" rotWithShape="0">
+                      <a:schemeClr val="dk1">
+                        <a:alpha val="40000"/>
+                      </a:schemeClr>
+                    </a:outerShdw>
+                  </a:effectLst>
+                </a:rPr>
+                <a:t>EngyPort</a:t>
+              </a:r>
+              <a:endParaRPr lang="zh-CN" altLang="en-US" dirty="0"/>
+            </a:p>
+          </p:txBody>
+        </p:sp>
+        <p:sp>
+          <p:nvSpPr>
+            <p:cNvPr id="38" name="矩形 37"/>
+            <p:cNvSpPr/>
+            <p:nvPr/>
+          </p:nvSpPr>
+          <p:spPr>
+            <a:xfrm>
+              <a:off x="2800926" y="2987125"/>
+              <a:ext cx="531593" cy="194088"/>
+            </a:xfrm>
+            <a:prstGeom prst="rect">
+              <a:avLst/>
+            </a:prstGeom>
+            <a:noFill/>
+            <a:ln w="25400">
+              <a:solidFill>
+                <a:srgbClr val="FFC000"/>
+              </a:solidFill>
+            </a:ln>
+          </p:spPr>
+          <p:style>
+            <a:lnRef idx="2">
+              <a:schemeClr val="accent1">
+                <a:shade val="50000"/>
+              </a:schemeClr>
+            </a:lnRef>
+            <a:fillRef idx="1">
+              <a:schemeClr val="accent1"/>
+            </a:fillRef>
+            <a:effectRef idx="0">
+              <a:schemeClr val="accent1"/>
+            </a:effectRef>
+            <a:fontRef idx="minor">
+              <a:schemeClr val="lt1"/>
+            </a:fontRef>
+          </p:style>
+          <p:txBody>
+            <a:bodyPr rtlCol="0" anchor="ctr"/>
+            <a:lstStyle/>
+            <a:p>
+              <a:pPr algn="ctr"/>
+              <a:r>
+                <a:rPr lang="en-US" altLang="zh-CN" sz="1200" dirty="0" err="1" smtClean="0">
+                  <a:ln w="0"/>
+                  <a:solidFill>
+                    <a:schemeClr val="tx1"/>
+                  </a:solidFill>
+                  <a:effectLst>
+                    <a:outerShdw blurRad="38100" dist="19050" dir="2700000" algn="tl" rotWithShape="0">
+                      <a:schemeClr val="dk1">
+                        <a:alpha val="40000"/>
+                      </a:schemeClr>
+                    </a:outerShdw>
+                  </a:effectLst>
+                </a:rPr>
+                <a:t>EngyPort</a:t>
+              </a:r>
+              <a:endParaRPr lang="zh-CN" altLang="en-US" dirty="0"/>
+            </a:p>
+          </p:txBody>
+        </p:sp>
+        <p:sp>
+          <p:nvSpPr>
+            <p:cNvPr id="39" name="矩形 38"/>
+            <p:cNvSpPr/>
+            <p:nvPr/>
+          </p:nvSpPr>
+          <p:spPr>
+            <a:xfrm>
+              <a:off x="2800342" y="3768219"/>
+              <a:ext cx="531593" cy="194088"/>
+            </a:xfrm>
+            <a:prstGeom prst="rect">
+              <a:avLst/>
+            </a:prstGeom>
+            <a:noFill/>
+            <a:ln w="25400">
+              <a:solidFill>
+                <a:srgbClr val="FFC000"/>
+              </a:solidFill>
+            </a:ln>
+          </p:spPr>
+          <p:style>
+            <a:lnRef idx="2">
+              <a:schemeClr val="accent1">
+                <a:shade val="50000"/>
+              </a:schemeClr>
+            </a:lnRef>
+            <a:fillRef idx="1">
+              <a:schemeClr val="accent1"/>
+            </a:fillRef>
+            <a:effectRef idx="0">
+              <a:schemeClr val="accent1"/>
+            </a:effectRef>
+            <a:fontRef idx="minor">
+              <a:schemeClr val="lt1"/>
+            </a:fontRef>
+          </p:style>
+          <p:txBody>
+            <a:bodyPr rtlCol="0" anchor="ctr"/>
+            <a:lstStyle/>
+            <a:p>
+              <a:pPr algn="ctr"/>
+              <a:r>
+                <a:rPr lang="en-US" altLang="zh-CN" sz="1200" dirty="0" err="1" smtClean="0">
+                  <a:ln w="0"/>
+                  <a:solidFill>
+                    <a:schemeClr val="tx1"/>
+                  </a:solidFill>
+                  <a:effectLst>
+                    <a:outerShdw blurRad="38100" dist="19050" dir="2700000" algn="tl" rotWithShape="0">
+                      <a:schemeClr val="dk1">
+                        <a:alpha val="40000"/>
+                      </a:schemeClr>
+                    </a:outerShdw>
+                  </a:effectLst>
+                </a:rPr>
+                <a:t>EngyPort</a:t>
+              </a:r>
+              <a:endParaRPr lang="zh-CN" altLang="en-US" dirty="0"/>
+            </a:p>
+          </p:txBody>
+        </p:sp>
+        <p:sp>
+          <p:nvSpPr>
+            <p:cNvPr id="40" name="矩形 39"/>
+            <p:cNvSpPr/>
+            <p:nvPr/>
+          </p:nvSpPr>
+          <p:spPr>
+            <a:xfrm>
+              <a:off x="2812705" y="4579878"/>
+              <a:ext cx="531593" cy="194088"/>
+            </a:xfrm>
+            <a:prstGeom prst="rect">
+              <a:avLst/>
+            </a:prstGeom>
+            <a:noFill/>
+            <a:ln w="25400">
+              <a:solidFill>
+                <a:srgbClr val="FFC000"/>
+              </a:solidFill>
+            </a:ln>
+          </p:spPr>
+          <p:style>
+            <a:lnRef idx="2">
+              <a:schemeClr val="accent1">
+                <a:shade val="50000"/>
+              </a:schemeClr>
+            </a:lnRef>
+            <a:fillRef idx="1">
+              <a:schemeClr val="accent1"/>
+            </a:fillRef>
+            <a:effectRef idx="0">
+              <a:schemeClr val="accent1"/>
+            </a:effectRef>
+            <a:fontRef idx="minor">
+              <a:schemeClr val="lt1"/>
+            </a:fontRef>
+          </p:style>
+          <p:txBody>
+            <a:bodyPr rtlCol="0" anchor="ctr"/>
+            <a:lstStyle/>
+            <a:p>
+              <a:pPr algn="ctr"/>
+              <a:r>
+                <a:rPr lang="en-US" altLang="zh-CN" sz="1200" dirty="0" err="1" smtClean="0">
+                  <a:ln w="0"/>
+                  <a:solidFill>
+                    <a:schemeClr val="tx1"/>
+                  </a:solidFill>
+                  <a:effectLst>
+                    <a:outerShdw blurRad="38100" dist="19050" dir="2700000" algn="tl" rotWithShape="0">
+                      <a:schemeClr val="dk1">
+                        <a:alpha val="40000"/>
+                      </a:schemeClr>
+                    </a:outerShdw>
+                  </a:effectLst>
+                </a:rPr>
+                <a:t>EngyPort</a:t>
+              </a:r>
+              <a:endParaRPr lang="zh-CN" altLang="en-US" dirty="0"/>
+            </a:p>
+          </p:txBody>
+        </p:sp>
+        <p:sp>
+          <p:nvSpPr>
+            <p:cNvPr id="41" name="矩形 40"/>
+            <p:cNvSpPr/>
+            <p:nvPr/>
+          </p:nvSpPr>
+          <p:spPr>
+            <a:xfrm>
+              <a:off x="6727501" y="2217807"/>
+              <a:ext cx="531593" cy="194088"/>
+            </a:xfrm>
+            <a:prstGeom prst="rect">
+              <a:avLst/>
+            </a:prstGeom>
+            <a:noFill/>
+            <a:ln w="25400">
+              <a:solidFill>
+                <a:srgbClr val="FFC000"/>
+              </a:solidFill>
+            </a:ln>
+          </p:spPr>
+          <p:style>
+            <a:lnRef idx="2">
+              <a:schemeClr val="accent1">
+                <a:shade val="50000"/>
+              </a:schemeClr>
+            </a:lnRef>
+            <a:fillRef idx="1">
+              <a:schemeClr val="accent1"/>
+            </a:fillRef>
+            <a:effectRef idx="0">
+              <a:schemeClr val="accent1"/>
+            </a:effectRef>
+            <a:fontRef idx="minor">
+              <a:schemeClr val="lt1"/>
+            </a:fontRef>
+          </p:style>
+          <p:txBody>
+            <a:bodyPr rtlCol="0" anchor="ctr"/>
+            <a:lstStyle/>
+            <a:p>
+              <a:pPr algn="ctr"/>
+              <a:r>
+                <a:rPr lang="en-US" altLang="zh-CN" sz="1200" dirty="0" err="1" smtClean="0">
+                  <a:ln w="0"/>
+                  <a:solidFill>
+                    <a:schemeClr val="tx1"/>
+                  </a:solidFill>
+                  <a:effectLst>
+                    <a:outerShdw blurRad="38100" dist="19050" dir="2700000" algn="tl" rotWithShape="0">
+                      <a:schemeClr val="dk1">
+                        <a:alpha val="40000"/>
+                      </a:schemeClr>
+                    </a:outerShdw>
+                  </a:effectLst>
+                </a:rPr>
+                <a:t>EngyPort</a:t>
+              </a:r>
+              <a:endParaRPr lang="zh-CN" altLang="en-US" dirty="0"/>
+            </a:p>
+          </p:txBody>
+        </p:sp>
+        <p:cxnSp>
+          <p:nvCxnSpPr>
+            <p:cNvPr id="42" name="直接连接符 41"/>
+            <p:cNvCxnSpPr/>
+            <p:nvPr/>
+          </p:nvCxnSpPr>
+          <p:spPr>
+            <a:xfrm flipH="1">
+              <a:off x="5214542" y="2314851"/>
+              <a:ext cx="1512959" cy="0"/>
+            </a:xfrm>
+            <a:prstGeom prst="line">
+              <a:avLst/>
+            </a:prstGeom>
+            <a:ln w="25400">
+              <a:solidFill>
+                <a:srgbClr val="FFC000"/>
+              </a:solidFill>
+            </a:ln>
+          </p:spPr>
+          <p:style>
+            <a:lnRef idx="1">
+              <a:schemeClr val="accent1"/>
+            </a:lnRef>
+            <a:fillRef idx="0">
+              <a:schemeClr val="accent1"/>
+            </a:fillRef>
+            <a:effectRef idx="0">
+              <a:schemeClr val="accent1"/>
+            </a:effectRef>
+            <a:fontRef idx="minor">
+              <a:schemeClr val="tx1"/>
+            </a:fontRef>
+          </p:style>
+        </p:cxnSp>
+      </p:grpSp>
+      <p:cxnSp>
+        <p:nvCxnSpPr>
+          <p:cNvPr id="62" name="直接连接符 61"/>
+          <p:cNvCxnSpPr>
+            <a:stCxn id="17" idx="2"/>
+          </p:cNvCxnSpPr>
+          <p:nvPr/>
+        </p:nvCxnSpPr>
+        <p:spPr>
+          <a:xfrm flipH="1">
+            <a:off x="4424244" y="4926116"/>
+            <a:ext cx="1" cy="679330"/>
+          </a:xfrm>
+          <a:prstGeom prst="line">
+            <a:avLst/>
+          </a:prstGeom>
+          <a:ln w="31750">
+            <a:solidFill>
+              <a:srgbClr val="BDD7EE"/>
+            </a:solidFill>
+          </a:ln>
+        </p:spPr>
+        <p:style>
+          <a:lnRef idx="1">
+            <a:schemeClr val="accent1"/>
+          </a:lnRef>
+          <a:fillRef idx="0">
+            <a:schemeClr val="accent1"/>
+          </a:fillRef>
+          <a:effectRef idx="0">
+            <a:schemeClr val="accent1"/>
+          </a:effectRef>
+          <a:fontRef idx="minor">
+            <a:schemeClr val="tx1"/>
+          </a:fontRef>
+        </p:style>
+      </p:cxnSp>
+      <p:grpSp>
+        <p:nvGrpSpPr>
+          <p:cNvPr id="29" name="组合 28"/>
+          <p:cNvGrpSpPr/>
+          <p:nvPr/>
+        </p:nvGrpSpPr>
+        <p:grpSpPr>
+          <a:xfrm>
+            <a:off x="235267" y="1991642"/>
+            <a:ext cx="8185719" cy="4693227"/>
+            <a:chOff x="235267" y="1991642"/>
+            <a:chExt cx="8185719" cy="4693227"/>
+          </a:xfrm>
+        </p:grpSpPr>
+        <p:sp>
+          <p:nvSpPr>
+            <p:cNvPr id="45" name="矩形 44"/>
+            <p:cNvSpPr/>
+            <p:nvPr/>
+          </p:nvSpPr>
+          <p:spPr>
+            <a:xfrm>
+              <a:off x="235267" y="5605446"/>
+              <a:ext cx="8185719" cy="289286"/>
+            </a:xfrm>
+            <a:prstGeom prst="rect">
+              <a:avLst/>
+            </a:prstGeom>
+            <a:solidFill>
+              <a:schemeClr val="accent1">
+                <a:lumMod val="40000"/>
+                <a:lumOff val="60000"/>
+              </a:schemeClr>
+            </a:solidFill>
+            <a:ln>
+              <a:noFill/>
+            </a:ln>
+          </p:spPr>
+          <p:style>
+            <a:lnRef idx="2">
+              <a:schemeClr val="accent1">
+                <a:shade val="50000"/>
+              </a:schemeClr>
+            </a:lnRef>
+            <a:fillRef idx="1">
+              <a:schemeClr val="accent1"/>
+            </a:fillRef>
+            <a:effectRef idx="0">
+              <a:schemeClr val="accent1"/>
+            </a:effectRef>
+            <a:fontRef idx="minor">
+              <a:schemeClr val="lt1"/>
+            </a:fontRef>
+          </p:style>
+          <p:txBody>
+            <a:bodyPr rtlCol="0" anchor="ctr"/>
+            <a:lstStyle/>
+            <a:p>
+              <a:pPr algn="ctr"/>
+              <a:r>
+                <a:rPr lang="en-US" altLang="zh-CN" dirty="0" smtClean="0">
+                  <a:ln w="0"/>
+                  <a:solidFill>
+                    <a:schemeClr val="tx1"/>
+                  </a:solidFill>
+                  <a:effectLst>
+                    <a:outerShdw blurRad="38100" dist="19050" dir="2700000" algn="tl" rotWithShape="0">
+                      <a:schemeClr val="dk1">
+                        <a:alpha val="40000"/>
+                      </a:schemeClr>
+                    </a:outerShdw>
+                  </a:effectLst>
+                </a:rPr>
+                <a:t>SWIG</a:t>
+              </a:r>
+              <a:endParaRPr lang="zh-CN" altLang="en-US" dirty="0">
+                <a:ln w="0"/>
+                <a:solidFill>
+                  <a:schemeClr val="tx1"/>
+                </a:solidFill>
+                <a:effectLst>
+                  <a:outerShdw blurRad="38100" dist="19050" dir="2700000" algn="tl" rotWithShape="0">
+                    <a:schemeClr val="dk1">
+                      <a:alpha val="40000"/>
+                    </a:schemeClr>
+                  </a:outerShdw>
+                </a:effectLst>
+              </a:endParaRPr>
+            </a:p>
+          </p:txBody>
+        </p:sp>
+        <p:sp>
+          <p:nvSpPr>
+            <p:cNvPr id="46" name="圆角矩形 45"/>
+            <p:cNvSpPr/>
+            <p:nvPr/>
+          </p:nvSpPr>
+          <p:spPr>
+            <a:xfrm>
+              <a:off x="2726716" y="6256297"/>
+              <a:ext cx="3245536" cy="428572"/>
+            </a:xfrm>
+            <a:prstGeom prst="roundRect">
+              <a:avLst/>
+            </a:prstGeom>
+            <a:solidFill>
+              <a:schemeClr val="accent2">
+                <a:lumMod val="60000"/>
+                <a:lumOff val="40000"/>
+              </a:schemeClr>
+            </a:solidFill>
+            <a:ln>
+              <a:noFill/>
+            </a:ln>
+          </p:spPr>
+          <p:style>
+            <a:lnRef idx="2">
+              <a:schemeClr val="accent1">
+                <a:shade val="50000"/>
+              </a:schemeClr>
+            </a:lnRef>
+            <a:fillRef idx="1">
+              <a:schemeClr val="accent1"/>
+            </a:fillRef>
+            <a:effectRef idx="0">
+              <a:schemeClr val="accent1"/>
+            </a:effectRef>
+            <a:fontRef idx="minor">
+              <a:schemeClr val="lt1"/>
+            </a:fontRef>
+          </p:style>
+          <p:txBody>
+            <a:bodyPr rtlCol="0" anchor="ctr"/>
+            <a:lstStyle/>
+            <a:p>
+              <a:pPr algn="ctr"/>
+              <a:r>
+                <a:rPr lang="en-US" altLang="zh-CN" sz="2400" dirty="0" smtClean="0">
+                  <a:ln w="0"/>
+                  <a:solidFill>
+                    <a:schemeClr val="tx1"/>
+                  </a:solidFill>
+                  <a:effectLst>
+                    <a:outerShdw blurRad="38100" dist="19050" dir="2700000" algn="tl" rotWithShape="0">
+                      <a:schemeClr val="dk1">
+                        <a:alpha val="40000"/>
+                      </a:schemeClr>
+                    </a:outerShdw>
+                  </a:effectLst>
+                </a:rPr>
+                <a:t>Python Script</a:t>
+              </a:r>
+              <a:endParaRPr lang="zh-CN" altLang="en-US" dirty="0">
+                <a:ln w="0"/>
+                <a:solidFill>
+                  <a:schemeClr val="tx1"/>
+                </a:solidFill>
+                <a:effectLst>
+                  <a:outerShdw blurRad="38100" dist="19050" dir="2700000" algn="tl" rotWithShape="0">
+                    <a:schemeClr val="dk1">
+                      <a:alpha val="40000"/>
+                    </a:schemeClr>
+                  </a:outerShdw>
+                </a:effectLst>
+              </a:endParaRPr>
+            </a:p>
+          </p:txBody>
+        </p:sp>
+        <p:sp>
+          <p:nvSpPr>
+            <p:cNvPr id="47" name="上箭头 46"/>
+            <p:cNvSpPr/>
+            <p:nvPr/>
+          </p:nvSpPr>
+          <p:spPr>
+            <a:xfrm>
+              <a:off x="4041379" y="5894732"/>
+              <a:ext cx="539500" cy="361565"/>
+            </a:xfrm>
+            <a:prstGeom prst="upArrow">
+              <a:avLst/>
+            </a:prstGeom>
+            <a:solidFill>
+              <a:srgbClr val="BDD7EE"/>
+            </a:solidFill>
+            <a:ln>
+              <a:noFill/>
+            </a:ln>
+          </p:spPr>
+          <p:style>
+            <a:lnRef idx="2">
+              <a:schemeClr val="accent1">
+                <a:shade val="50000"/>
+              </a:schemeClr>
+            </a:lnRef>
+            <a:fillRef idx="1">
+              <a:schemeClr val="accent1"/>
+            </a:fillRef>
+            <a:effectRef idx="0">
+              <a:schemeClr val="accent1"/>
+            </a:effectRef>
+            <a:fontRef idx="minor">
+              <a:schemeClr val="lt1"/>
+            </a:fontRef>
+          </p:style>
+          <p:txBody>
+            <a:bodyPr rtlCol="0" anchor="ctr"/>
+            <a:lstStyle/>
+            <a:p>
+              <a:pPr algn="ctr"/>
+              <a:endParaRPr lang="zh-CN" altLang="en-US"/>
+            </a:p>
+          </p:txBody>
+        </p:sp>
+        <p:cxnSp>
+          <p:nvCxnSpPr>
+            <p:cNvPr id="50" name="直接连接符 49"/>
+            <p:cNvCxnSpPr/>
+            <p:nvPr/>
+          </p:nvCxnSpPr>
+          <p:spPr>
+            <a:xfrm flipH="1">
+              <a:off x="1148520" y="1991642"/>
+              <a:ext cx="1641727" cy="873443"/>
+            </a:xfrm>
+            <a:prstGeom prst="line">
+              <a:avLst/>
+            </a:prstGeom>
+            <a:ln w="31750">
+              <a:solidFill>
+                <a:srgbClr val="BDD7EE"/>
+              </a:solidFill>
+            </a:ln>
+          </p:spPr>
+          <p:style>
+            <a:lnRef idx="1">
+              <a:schemeClr val="accent1"/>
+            </a:lnRef>
+            <a:fillRef idx="0">
+              <a:schemeClr val="accent1"/>
+            </a:fillRef>
+            <a:effectRef idx="0">
+              <a:schemeClr val="accent1"/>
+            </a:effectRef>
+            <a:fontRef idx="minor">
+              <a:schemeClr val="tx1"/>
+            </a:fontRef>
+          </p:style>
+        </p:cxnSp>
+        <p:cxnSp>
+          <p:nvCxnSpPr>
+            <p:cNvPr id="54" name="直接连接符 53"/>
+            <p:cNvCxnSpPr>
+              <a:stCxn id="7" idx="2"/>
+            </p:cNvCxnSpPr>
+            <p:nvPr/>
+          </p:nvCxnSpPr>
+          <p:spPr>
+            <a:xfrm>
+              <a:off x="7108411" y="3858144"/>
+              <a:ext cx="0" cy="1747302"/>
+            </a:xfrm>
+            <a:prstGeom prst="line">
+              <a:avLst/>
+            </a:prstGeom>
+            <a:ln w="31750">
+              <a:solidFill>
+                <a:srgbClr val="BDD7EE"/>
+              </a:solidFill>
+            </a:ln>
+          </p:spPr>
+          <p:style>
+            <a:lnRef idx="1">
+              <a:schemeClr val="accent1"/>
+            </a:lnRef>
+            <a:fillRef idx="0">
+              <a:schemeClr val="accent1"/>
+            </a:fillRef>
+            <a:effectRef idx="0">
+              <a:schemeClr val="accent1"/>
+            </a:effectRef>
+            <a:fontRef idx="minor">
+              <a:schemeClr val="tx1"/>
+            </a:fontRef>
+          </p:style>
+        </p:cxnSp>
+        <p:cxnSp>
+          <p:nvCxnSpPr>
+            <p:cNvPr id="56" name="直接连接符 55"/>
+            <p:cNvCxnSpPr/>
+            <p:nvPr/>
+          </p:nvCxnSpPr>
+          <p:spPr>
+            <a:xfrm flipH="1">
+              <a:off x="1437806" y="3401018"/>
+              <a:ext cx="1362536" cy="299948"/>
+            </a:xfrm>
+            <a:prstGeom prst="line">
+              <a:avLst/>
+            </a:prstGeom>
+            <a:ln w="31750">
+              <a:solidFill>
+                <a:srgbClr val="BDD7EE"/>
+              </a:solidFill>
+            </a:ln>
+          </p:spPr>
+          <p:style>
+            <a:lnRef idx="1">
+              <a:schemeClr val="accent1"/>
+            </a:lnRef>
+            <a:fillRef idx="0">
+              <a:schemeClr val="accent1"/>
+            </a:fillRef>
+            <a:effectRef idx="0">
+              <a:schemeClr val="accent1"/>
+            </a:effectRef>
+            <a:fontRef idx="minor">
+              <a:schemeClr val="tx1"/>
+            </a:fontRef>
+          </p:style>
+        </p:cxnSp>
+        <p:cxnSp>
+          <p:nvCxnSpPr>
+            <p:cNvPr id="58" name="直接连接符 57"/>
+            <p:cNvCxnSpPr/>
+            <p:nvPr/>
+          </p:nvCxnSpPr>
+          <p:spPr>
+            <a:xfrm flipH="1">
+              <a:off x="1662806" y="4040344"/>
+              <a:ext cx="1137536" cy="276541"/>
+            </a:xfrm>
+            <a:prstGeom prst="line">
+              <a:avLst/>
+            </a:prstGeom>
+            <a:ln w="31750">
+              <a:solidFill>
+                <a:srgbClr val="BDD7EE"/>
+              </a:solidFill>
+            </a:ln>
+          </p:spPr>
+          <p:style>
+            <a:lnRef idx="1">
+              <a:schemeClr val="accent1"/>
+            </a:lnRef>
+            <a:fillRef idx="0">
+              <a:schemeClr val="accent1"/>
+            </a:fillRef>
+            <a:effectRef idx="0">
+              <a:schemeClr val="accent1"/>
+            </a:effectRef>
+            <a:fontRef idx="minor">
+              <a:schemeClr val="tx1"/>
+            </a:fontRef>
+          </p:style>
+        </p:cxnSp>
+        <p:cxnSp>
+          <p:nvCxnSpPr>
+            <p:cNvPr id="64" name="直接连接符 63"/>
+            <p:cNvCxnSpPr/>
+            <p:nvPr/>
+          </p:nvCxnSpPr>
+          <p:spPr>
+            <a:xfrm>
+              <a:off x="1148520" y="2850760"/>
+              <a:ext cx="0" cy="2731491"/>
+            </a:xfrm>
+            <a:prstGeom prst="line">
+              <a:avLst/>
+            </a:prstGeom>
+            <a:ln w="31750">
+              <a:solidFill>
+                <a:srgbClr val="BDD7EE"/>
+              </a:solidFill>
+            </a:ln>
+          </p:spPr>
+          <p:style>
+            <a:lnRef idx="1">
+              <a:schemeClr val="accent1"/>
+            </a:lnRef>
+            <a:fillRef idx="0">
+              <a:schemeClr val="accent1"/>
+            </a:fillRef>
+            <a:effectRef idx="0">
+              <a:schemeClr val="accent1"/>
+            </a:effectRef>
+            <a:fontRef idx="minor">
+              <a:schemeClr val="tx1"/>
+            </a:fontRef>
+          </p:style>
+        </p:cxnSp>
+        <p:cxnSp>
+          <p:nvCxnSpPr>
+            <p:cNvPr id="66" name="直接连接符 65"/>
+            <p:cNvCxnSpPr/>
+            <p:nvPr/>
+          </p:nvCxnSpPr>
+          <p:spPr>
+            <a:xfrm>
+              <a:off x="1437806" y="3700966"/>
+              <a:ext cx="0" cy="1904480"/>
+            </a:xfrm>
+            <a:prstGeom prst="line">
+              <a:avLst/>
+            </a:prstGeom>
+            <a:ln w="31750">
+              <a:solidFill>
+                <a:srgbClr val="BDD7EE"/>
+              </a:solidFill>
+            </a:ln>
+          </p:spPr>
+          <p:style>
+            <a:lnRef idx="1">
+              <a:schemeClr val="accent1"/>
+            </a:lnRef>
+            <a:fillRef idx="0">
+              <a:schemeClr val="accent1"/>
+            </a:fillRef>
+            <a:effectRef idx="0">
+              <a:schemeClr val="accent1"/>
+            </a:effectRef>
+            <a:fontRef idx="minor">
+              <a:schemeClr val="tx1"/>
+            </a:fontRef>
+          </p:style>
+        </p:cxnSp>
+        <p:cxnSp>
+          <p:nvCxnSpPr>
+            <p:cNvPr id="68" name="直接连接符 67"/>
+            <p:cNvCxnSpPr/>
+            <p:nvPr/>
+          </p:nvCxnSpPr>
+          <p:spPr>
+            <a:xfrm>
+              <a:off x="1662806" y="4316885"/>
+              <a:ext cx="0" cy="1288562"/>
+            </a:xfrm>
+            <a:prstGeom prst="line">
+              <a:avLst/>
+            </a:prstGeom>
+            <a:ln w="31750">
+              <a:solidFill>
+                <a:srgbClr val="BDD7EE"/>
+              </a:solidFill>
+            </a:ln>
+          </p:spPr>
+          <p:style>
+            <a:lnRef idx="1">
+              <a:schemeClr val="accent1"/>
+            </a:lnRef>
+            <a:fillRef idx="0">
+              <a:schemeClr val="accent1"/>
+            </a:fillRef>
+            <a:effectRef idx="0">
+              <a:schemeClr val="accent1"/>
+            </a:effectRef>
+            <a:fontRef idx="minor">
+              <a:schemeClr val="tx1"/>
+            </a:fontRef>
+          </p:style>
+        </p:cxnSp>
+      </p:grpSp>
+    </p:spTree>
+    <p:extLst>
+      <p:ext uri="{BB962C8B-B14F-4D97-AF65-F5344CB8AC3E}">
+        <p14:creationId xmlns:p14="http://schemas.microsoft.com/office/powerpoint/2010/main" val="321708327"/>
+      </p:ext>
+    </p:extLst>
+  </p:cSld>
+  <p:clrMapOvr>
+    <a:masterClrMapping/>
+  </p:clrMapOvr>
+</p:sld>
+</file>
+
+<file path=ppt/slides/slide6.xml><?xml version="1.0" encoding="utf-8"?>
+<p:sld xmlns:a="http://schemas.openxmlformats.org/drawingml/2006/main" xmlns:r="http://schemas.openxmlformats.org/officeDocument/2006/relationships" xmlns:p="http://schemas.openxmlformats.org/presentationml/2006/main">
+  <p:cSld>
+    <p:spTree>
+      <p:nvGrpSpPr>
+        <p:cNvPr id="1" name=""/>
+        <p:cNvGrpSpPr/>
+        <p:nvPr/>
+      </p:nvGrpSpPr>
+      <p:grpSpPr>
+        <a:xfrm>
+          <a:off x="0" y="0"/>
+          <a:ext cx="0" cy="0"/>
+          <a:chOff x="0" y="0"/>
+          <a:chExt cx="0" cy="0"/>
+        </a:xfrm>
+      </p:grpSpPr>
+      <p:sp>
+        <p:nvSpPr>
+          <p:cNvPr id="2" name="矩形 1"/>
+          <p:cNvSpPr/>
+          <p:nvPr/>
+        </p:nvSpPr>
+        <p:spPr>
+          <a:xfrm>
+            <a:off x="259773" y="2452255"/>
+            <a:ext cx="2815936" cy="1485900"/>
+          </a:xfrm>
+          <a:prstGeom prst="rect">
+            <a:avLst/>
+          </a:prstGeom>
+          <a:noFill/>
+          <a:ln w="38100">
+            <a:solidFill>
+              <a:schemeClr val="tx1"/>
+            </a:solidFill>
+          </a:ln>
+        </p:spPr>
+        <p:style>
+          <a:lnRef idx="2">
+            <a:schemeClr val="accent1">
+              <a:shade val="50000"/>
+            </a:schemeClr>
+          </a:lnRef>
+          <a:fillRef idx="1">
+            <a:schemeClr val="accent1"/>
+          </a:fillRef>
+          <a:effectRef idx="0">
+            <a:schemeClr val="accent1"/>
+          </a:effectRef>
+          <a:fontRef idx="minor">
+            <a:schemeClr val="lt1"/>
+          </a:fontRef>
+        </p:style>
+        <p:txBody>
+          <a:bodyPr rtlCol="0" anchor="ctr"/>
+          <a:lstStyle/>
+          <a:p>
+            <a:pPr algn="ctr"/>
+            <a:r>
+              <a:rPr lang="en-US" altLang="zh-CN" dirty="0" err="1" smtClean="0">
+                <a:ln w="0"/>
+                <a:solidFill>
+                  <a:schemeClr val="tx1"/>
+                </a:solidFill>
+                <a:effectLst>
+                  <a:outerShdw blurRad="38100" dist="19050" dir="2700000" algn="tl" rotWithShape="0">
+                    <a:schemeClr val="dk1">
+                      <a:alpha val="40000"/>
+                    </a:schemeClr>
+                  </a:outerShdw>
+                </a:effectLst>
+              </a:rPr>
+              <a:t>Mgmt</a:t>
+            </a:r>
+            <a:endParaRPr lang="zh-CN" altLang="en-US" dirty="0"/>
+          </a:p>
+        </p:txBody>
+      </p:sp>
+      <p:sp>
+        <p:nvSpPr>
+          <p:cNvPr id="3" name="矩形 2"/>
+          <p:cNvSpPr/>
+          <p:nvPr/>
+        </p:nvSpPr>
+        <p:spPr>
+          <a:xfrm>
+            <a:off x="5243945" y="966355"/>
+            <a:ext cx="2815936" cy="1485900"/>
+          </a:xfrm>
+          <a:prstGeom prst="rect">
+            <a:avLst/>
+          </a:prstGeom>
+          <a:noFill/>
+          <a:ln w="38100">
+            <a:solidFill>
+              <a:schemeClr val="tx1"/>
+            </a:solidFill>
+          </a:ln>
+        </p:spPr>
+        <p:style>
+          <a:lnRef idx="2">
+            <a:schemeClr val="accent1">
+              <a:shade val="50000"/>
+            </a:schemeClr>
+          </a:lnRef>
+          <a:fillRef idx="1">
+            <a:schemeClr val="accent1"/>
+          </a:fillRef>
+          <a:effectRef idx="0">
+            <a:schemeClr val="accent1"/>
+          </a:effectRef>
+          <a:fontRef idx="minor">
+            <a:schemeClr val="lt1"/>
+          </a:fontRef>
+        </p:style>
+        <p:txBody>
+          <a:bodyPr rtlCol="0" anchor="ctr"/>
+          <a:lstStyle/>
+          <a:p>
+            <a:pPr algn="ctr"/>
+            <a:r>
+              <a:rPr lang="en-US" altLang="zh-CN" dirty="0" smtClean="0">
+                <a:ln w="0"/>
+                <a:solidFill>
+                  <a:schemeClr val="tx1"/>
+                </a:solidFill>
+                <a:effectLst>
+                  <a:outerShdw blurRad="38100" dist="19050" dir="2700000" algn="tl" rotWithShape="0">
+                    <a:schemeClr val="dk1">
+                      <a:alpha val="40000"/>
+                    </a:schemeClr>
+                  </a:outerShdw>
+                </a:effectLst>
+              </a:rPr>
+              <a:t>CPU</a:t>
+            </a:r>
+            <a:endParaRPr lang="zh-CN" altLang="en-US" dirty="0"/>
+          </a:p>
+        </p:txBody>
+      </p:sp>
+      <p:sp>
+        <p:nvSpPr>
+          <p:cNvPr id="4" name="矩形 3"/>
+          <p:cNvSpPr/>
+          <p:nvPr/>
+        </p:nvSpPr>
+        <p:spPr>
+          <a:xfrm>
+            <a:off x="5243945" y="3938155"/>
+            <a:ext cx="2815936" cy="1485900"/>
+          </a:xfrm>
+          <a:prstGeom prst="rect">
+            <a:avLst/>
+          </a:prstGeom>
+          <a:noFill/>
+          <a:ln w="38100">
+            <a:solidFill>
+              <a:schemeClr val="tx1"/>
+            </a:solidFill>
+          </a:ln>
+        </p:spPr>
+        <p:style>
+          <a:lnRef idx="2">
+            <a:schemeClr val="accent1">
+              <a:shade val="50000"/>
+            </a:schemeClr>
+          </a:lnRef>
+          <a:fillRef idx="1">
+            <a:schemeClr val="accent1"/>
+          </a:fillRef>
+          <a:effectRef idx="0">
+            <a:schemeClr val="accent1"/>
+          </a:effectRef>
+          <a:fontRef idx="minor">
+            <a:schemeClr val="lt1"/>
+          </a:fontRef>
+        </p:style>
+        <p:txBody>
+          <a:bodyPr rtlCol="0" anchor="ctr"/>
+          <a:lstStyle/>
+          <a:p>
+            <a:pPr algn="ctr"/>
+            <a:r>
+              <a:rPr lang="en-US" altLang="zh-CN" dirty="0" smtClean="0">
+                <a:ln w="0"/>
+                <a:solidFill>
+                  <a:schemeClr val="tx1"/>
+                </a:solidFill>
+                <a:effectLst>
+                  <a:outerShdw blurRad="38100" dist="19050" dir="2700000" algn="tl" rotWithShape="0">
+                    <a:schemeClr val="dk1">
+                      <a:alpha val="40000"/>
+                    </a:schemeClr>
+                  </a:outerShdw>
+                </a:effectLst>
+              </a:rPr>
+              <a:t>Mem</a:t>
+            </a:r>
+            <a:endParaRPr lang="zh-CN" altLang="en-US" dirty="0"/>
+          </a:p>
+        </p:txBody>
+      </p:sp>
+      <p:sp>
+        <p:nvSpPr>
+          <p:cNvPr id="5" name="矩形 4"/>
+          <p:cNvSpPr/>
+          <p:nvPr/>
+        </p:nvSpPr>
+        <p:spPr>
+          <a:xfrm>
+            <a:off x="5243944" y="1194956"/>
+            <a:ext cx="1219201" cy="363994"/>
+          </a:xfrm>
+          <a:prstGeom prst="rect">
+            <a:avLst/>
+          </a:prstGeom>
+          <a:noFill/>
+          <a:ln w="25400">
+            <a:solidFill>
+              <a:srgbClr val="FFC000"/>
+            </a:solidFill>
+          </a:ln>
+        </p:spPr>
+        <p:style>
+          <a:lnRef idx="2">
+            <a:schemeClr val="accent1">
+              <a:shade val="50000"/>
+            </a:schemeClr>
+          </a:lnRef>
+          <a:fillRef idx="1">
+            <a:schemeClr val="accent1"/>
+          </a:fillRef>
+          <a:effectRef idx="0">
+            <a:schemeClr val="accent1"/>
+          </a:effectRef>
+          <a:fontRef idx="minor">
+            <a:schemeClr val="lt1"/>
+          </a:fontRef>
+        </p:style>
+        <p:txBody>
+          <a:bodyPr rtlCol="0" anchor="ctr"/>
+          <a:lstStyle/>
+          <a:p>
+            <a:pPr algn="ctr"/>
+            <a:r>
+              <a:rPr lang="en-US" altLang="zh-CN" sz="1600" dirty="0" smtClean="0">
+                <a:ln w="0"/>
+                <a:solidFill>
+                  <a:schemeClr val="tx1"/>
+                </a:solidFill>
+                <a:effectLst>
+                  <a:outerShdw blurRad="38100" dist="19050" dir="2700000" algn="tl" rotWithShape="0">
+                    <a:schemeClr val="dk1">
+                      <a:alpha val="40000"/>
+                    </a:schemeClr>
+                  </a:outerShdw>
+                </a:effectLst>
+              </a:rPr>
+              <a:t>Master </a:t>
+            </a:r>
+            <a:r>
+              <a:rPr lang="en-US" altLang="zh-CN" sz="1600" dirty="0" smtClean="0">
+                <a:ln w="0"/>
+                <a:solidFill>
+                  <a:schemeClr val="tx1"/>
+                </a:solidFill>
+                <a:effectLst>
+                  <a:outerShdw blurRad="38100" dist="19050" dir="2700000" algn="tl" rotWithShape="0">
+                    <a:schemeClr val="dk1">
+                      <a:alpha val="40000"/>
+                    </a:schemeClr>
+                  </a:outerShdw>
+                </a:effectLst>
+              </a:rPr>
+              <a:t>Port</a:t>
+            </a:r>
+            <a:endParaRPr lang="zh-CN" altLang="en-US" sz="2400" dirty="0"/>
+          </a:p>
+        </p:txBody>
+      </p:sp>
+      <p:sp>
+        <p:nvSpPr>
+          <p:cNvPr id="6" name="矩形 5"/>
+          <p:cNvSpPr/>
+          <p:nvPr/>
+        </p:nvSpPr>
+        <p:spPr>
+          <a:xfrm>
+            <a:off x="5243944" y="1787551"/>
+            <a:ext cx="1219201" cy="363994"/>
+          </a:xfrm>
+          <a:prstGeom prst="rect">
+            <a:avLst/>
+          </a:prstGeom>
+          <a:noFill/>
+          <a:ln w="25400">
+            <a:solidFill>
+              <a:srgbClr val="FFC000"/>
+            </a:solidFill>
+          </a:ln>
+        </p:spPr>
+        <p:style>
+          <a:lnRef idx="2">
+            <a:schemeClr val="accent1">
+              <a:shade val="50000"/>
+            </a:schemeClr>
+          </a:lnRef>
+          <a:fillRef idx="1">
+            <a:schemeClr val="accent1"/>
+          </a:fillRef>
+          <a:effectRef idx="0">
+            <a:schemeClr val="accent1"/>
+          </a:effectRef>
+          <a:fontRef idx="minor">
+            <a:schemeClr val="lt1"/>
+          </a:fontRef>
+        </p:style>
+        <p:txBody>
+          <a:bodyPr rtlCol="0" anchor="ctr"/>
+          <a:lstStyle/>
+          <a:p>
+            <a:pPr algn="ctr"/>
+            <a:r>
+              <a:rPr lang="en-US" altLang="zh-CN" sz="1600" dirty="0" smtClean="0">
+                <a:ln w="0"/>
+                <a:solidFill>
+                  <a:schemeClr val="tx1"/>
+                </a:solidFill>
+                <a:effectLst>
+                  <a:outerShdw blurRad="38100" dist="19050" dir="2700000" algn="tl" rotWithShape="0">
+                    <a:schemeClr val="dk1">
+                      <a:alpha val="40000"/>
+                    </a:schemeClr>
+                  </a:outerShdw>
+                </a:effectLst>
+              </a:rPr>
+              <a:t>Slave </a:t>
+            </a:r>
+            <a:r>
+              <a:rPr lang="en-US" altLang="zh-CN" sz="1600" dirty="0" smtClean="0">
+                <a:ln w="0"/>
+                <a:solidFill>
+                  <a:schemeClr val="tx1"/>
+                </a:solidFill>
+                <a:effectLst>
+                  <a:outerShdw blurRad="38100" dist="19050" dir="2700000" algn="tl" rotWithShape="0">
+                    <a:schemeClr val="dk1">
+                      <a:alpha val="40000"/>
+                    </a:schemeClr>
+                  </a:outerShdw>
+                </a:effectLst>
+              </a:rPr>
+              <a:t>Port</a:t>
+            </a:r>
+            <a:endParaRPr lang="zh-CN" altLang="en-US" sz="2400" dirty="0"/>
+          </a:p>
+        </p:txBody>
+      </p:sp>
+      <p:sp>
+        <p:nvSpPr>
+          <p:cNvPr id="7" name="矩形 6"/>
+          <p:cNvSpPr/>
+          <p:nvPr/>
+        </p:nvSpPr>
+        <p:spPr>
+          <a:xfrm>
+            <a:off x="1880756" y="3304231"/>
+            <a:ext cx="1182829" cy="363994"/>
+          </a:xfrm>
+          <a:prstGeom prst="rect">
+            <a:avLst/>
+          </a:prstGeom>
+          <a:noFill/>
+          <a:ln w="25400">
+            <a:solidFill>
+              <a:srgbClr val="FFC000"/>
+            </a:solidFill>
+          </a:ln>
+        </p:spPr>
+        <p:style>
+          <a:lnRef idx="2">
+            <a:schemeClr val="accent1">
+              <a:shade val="50000"/>
+            </a:schemeClr>
+          </a:lnRef>
+          <a:fillRef idx="1">
+            <a:schemeClr val="accent1"/>
+          </a:fillRef>
+          <a:effectRef idx="0">
+            <a:schemeClr val="accent1"/>
+          </a:effectRef>
+          <a:fontRef idx="minor">
+            <a:schemeClr val="lt1"/>
+          </a:fontRef>
+        </p:style>
+        <p:txBody>
+          <a:bodyPr rtlCol="0" anchor="ctr"/>
+          <a:lstStyle/>
+          <a:p>
+            <a:pPr algn="ctr"/>
+            <a:r>
+              <a:rPr lang="en-US" altLang="zh-CN" sz="1600" dirty="0" smtClean="0">
+                <a:ln w="0"/>
+                <a:solidFill>
+                  <a:schemeClr val="tx1"/>
+                </a:solidFill>
+                <a:effectLst>
+                  <a:outerShdw blurRad="38100" dist="19050" dir="2700000" algn="tl" rotWithShape="0">
+                    <a:schemeClr val="dk1">
+                      <a:alpha val="40000"/>
+                    </a:schemeClr>
+                  </a:outerShdw>
+                </a:effectLst>
+              </a:rPr>
+              <a:t>Slave </a:t>
+            </a:r>
+            <a:r>
+              <a:rPr lang="en-US" altLang="zh-CN" sz="1600" dirty="0" smtClean="0">
+                <a:ln w="0"/>
+                <a:solidFill>
+                  <a:schemeClr val="tx1"/>
+                </a:solidFill>
+                <a:effectLst>
+                  <a:outerShdw blurRad="38100" dist="19050" dir="2700000" algn="tl" rotWithShape="0">
+                    <a:schemeClr val="dk1">
+                      <a:alpha val="40000"/>
+                    </a:schemeClr>
+                  </a:outerShdw>
+                </a:effectLst>
+              </a:rPr>
+              <a:t>Port</a:t>
+            </a:r>
+            <a:endParaRPr lang="zh-CN" altLang="en-US" sz="2400" dirty="0"/>
+          </a:p>
+        </p:txBody>
+      </p:sp>
+      <p:sp>
+        <p:nvSpPr>
+          <p:cNvPr id="8" name="矩形 7"/>
+          <p:cNvSpPr/>
+          <p:nvPr/>
+        </p:nvSpPr>
+        <p:spPr>
+          <a:xfrm>
+            <a:off x="1880756" y="2670308"/>
+            <a:ext cx="1194954" cy="363994"/>
+          </a:xfrm>
+          <a:prstGeom prst="rect">
+            <a:avLst/>
+          </a:prstGeom>
+          <a:noFill/>
+          <a:ln w="25400">
+            <a:solidFill>
+              <a:srgbClr val="FFC000"/>
+            </a:solidFill>
+          </a:ln>
+        </p:spPr>
+        <p:style>
+          <a:lnRef idx="2">
+            <a:schemeClr val="accent1">
+              <a:shade val="50000"/>
+            </a:schemeClr>
+          </a:lnRef>
+          <a:fillRef idx="1">
+            <a:schemeClr val="accent1"/>
+          </a:fillRef>
+          <a:effectRef idx="0">
+            <a:schemeClr val="accent1"/>
+          </a:effectRef>
+          <a:fontRef idx="minor">
+            <a:schemeClr val="lt1"/>
+          </a:fontRef>
+        </p:style>
+        <p:txBody>
+          <a:bodyPr rtlCol="0" anchor="ctr"/>
+          <a:lstStyle/>
+          <a:p>
+            <a:pPr algn="ctr"/>
+            <a:r>
+              <a:rPr lang="en-US" altLang="zh-CN" sz="1600" dirty="0" smtClean="0">
+                <a:ln w="0"/>
+                <a:solidFill>
+                  <a:schemeClr val="tx1"/>
+                </a:solidFill>
+                <a:effectLst>
+                  <a:outerShdw blurRad="38100" dist="19050" dir="2700000" algn="tl" rotWithShape="0">
+                    <a:schemeClr val="dk1">
+                      <a:alpha val="40000"/>
+                    </a:schemeClr>
+                  </a:outerShdw>
+                </a:effectLst>
+              </a:rPr>
+              <a:t>Master </a:t>
+            </a:r>
+            <a:r>
+              <a:rPr lang="en-US" altLang="zh-CN" sz="1600" dirty="0" smtClean="0">
+                <a:ln w="0"/>
+                <a:solidFill>
+                  <a:schemeClr val="tx1"/>
+                </a:solidFill>
+                <a:effectLst>
+                  <a:outerShdw blurRad="38100" dist="19050" dir="2700000" algn="tl" rotWithShape="0">
+                    <a:schemeClr val="dk1">
+                      <a:alpha val="40000"/>
+                    </a:schemeClr>
+                  </a:outerShdw>
+                </a:effectLst>
+              </a:rPr>
+              <a:t>Port</a:t>
+            </a:r>
+            <a:endParaRPr lang="zh-CN" altLang="en-US" sz="2400" dirty="0"/>
+          </a:p>
+        </p:txBody>
+      </p:sp>
+      <p:sp>
+        <p:nvSpPr>
+          <p:cNvPr id="9" name="矩形 8"/>
+          <p:cNvSpPr/>
+          <p:nvPr/>
+        </p:nvSpPr>
+        <p:spPr>
+          <a:xfrm>
+            <a:off x="5243943" y="4173683"/>
+            <a:ext cx="1219202" cy="363994"/>
+          </a:xfrm>
+          <a:prstGeom prst="rect">
+            <a:avLst/>
+          </a:prstGeom>
+          <a:noFill/>
+          <a:ln w="25400">
+            <a:solidFill>
+              <a:srgbClr val="FFC000"/>
+            </a:solidFill>
+          </a:ln>
+        </p:spPr>
+        <p:style>
+          <a:lnRef idx="2">
+            <a:schemeClr val="accent1">
+              <a:shade val="50000"/>
+            </a:schemeClr>
+          </a:lnRef>
+          <a:fillRef idx="1">
+            <a:schemeClr val="accent1"/>
+          </a:fillRef>
+          <a:effectRef idx="0">
+            <a:schemeClr val="accent1"/>
+          </a:effectRef>
+          <a:fontRef idx="minor">
+            <a:schemeClr val="lt1"/>
+          </a:fontRef>
+        </p:style>
+        <p:txBody>
+          <a:bodyPr rtlCol="0" anchor="ctr"/>
+          <a:lstStyle/>
+          <a:p>
+            <a:pPr algn="ctr"/>
+            <a:r>
+              <a:rPr lang="en-US" altLang="zh-CN" sz="1600" dirty="0" smtClean="0">
+                <a:ln w="0"/>
+                <a:solidFill>
+                  <a:schemeClr val="tx1"/>
+                </a:solidFill>
+                <a:effectLst>
+                  <a:outerShdw blurRad="38100" dist="19050" dir="2700000" algn="tl" rotWithShape="0">
+                    <a:schemeClr val="dk1">
+                      <a:alpha val="40000"/>
+                    </a:schemeClr>
+                  </a:outerShdw>
+                </a:effectLst>
+              </a:rPr>
+              <a:t>Master </a:t>
+            </a:r>
+            <a:r>
+              <a:rPr lang="en-US" altLang="zh-CN" sz="1600" dirty="0" smtClean="0">
+                <a:ln w="0"/>
+                <a:solidFill>
+                  <a:schemeClr val="tx1"/>
+                </a:solidFill>
+                <a:effectLst>
+                  <a:outerShdw blurRad="38100" dist="19050" dir="2700000" algn="tl" rotWithShape="0">
+                    <a:schemeClr val="dk1">
+                      <a:alpha val="40000"/>
+                    </a:schemeClr>
+                  </a:outerShdw>
+                </a:effectLst>
+              </a:rPr>
+              <a:t>Port</a:t>
+            </a:r>
+            <a:endParaRPr lang="zh-CN" altLang="en-US" sz="2400" dirty="0"/>
+          </a:p>
+        </p:txBody>
+      </p:sp>
+      <p:sp>
+        <p:nvSpPr>
+          <p:cNvPr id="10" name="矩形 9"/>
+          <p:cNvSpPr/>
+          <p:nvPr/>
+        </p:nvSpPr>
+        <p:spPr>
+          <a:xfrm>
+            <a:off x="5243942" y="4766278"/>
+            <a:ext cx="1219203" cy="363994"/>
+          </a:xfrm>
+          <a:prstGeom prst="rect">
+            <a:avLst/>
+          </a:prstGeom>
+          <a:noFill/>
+          <a:ln w="25400">
+            <a:solidFill>
+              <a:srgbClr val="FFC000"/>
+            </a:solidFill>
+          </a:ln>
+        </p:spPr>
+        <p:style>
+          <a:lnRef idx="2">
+            <a:schemeClr val="accent1">
+              <a:shade val="50000"/>
+            </a:schemeClr>
+          </a:lnRef>
+          <a:fillRef idx="1">
+            <a:schemeClr val="accent1"/>
+          </a:fillRef>
+          <a:effectRef idx="0">
+            <a:schemeClr val="accent1"/>
+          </a:effectRef>
+          <a:fontRef idx="minor">
+            <a:schemeClr val="lt1"/>
+          </a:fontRef>
+        </p:style>
+        <p:txBody>
+          <a:bodyPr rtlCol="0" anchor="ctr"/>
+          <a:lstStyle/>
+          <a:p>
+            <a:pPr algn="ctr"/>
+            <a:r>
+              <a:rPr lang="en-US" altLang="zh-CN" sz="1600" dirty="0" smtClean="0">
+                <a:ln w="0"/>
+                <a:solidFill>
+                  <a:schemeClr val="tx1"/>
+                </a:solidFill>
+                <a:effectLst>
+                  <a:outerShdw blurRad="38100" dist="19050" dir="2700000" algn="tl" rotWithShape="0">
+                    <a:schemeClr val="dk1">
+                      <a:alpha val="40000"/>
+                    </a:schemeClr>
+                  </a:outerShdw>
+                </a:effectLst>
+              </a:rPr>
+              <a:t>Slave </a:t>
+            </a:r>
+            <a:r>
+              <a:rPr lang="en-US" altLang="zh-CN" sz="1600" dirty="0" smtClean="0">
+                <a:ln w="0"/>
+                <a:solidFill>
+                  <a:schemeClr val="tx1"/>
+                </a:solidFill>
+                <a:effectLst>
+                  <a:outerShdw blurRad="38100" dist="19050" dir="2700000" algn="tl" rotWithShape="0">
+                    <a:schemeClr val="dk1">
+                      <a:alpha val="40000"/>
+                    </a:schemeClr>
+                  </a:outerShdw>
+                </a:effectLst>
+              </a:rPr>
+              <a:t>Port</a:t>
+            </a:r>
+            <a:endParaRPr lang="zh-CN" altLang="en-US" sz="2400" dirty="0"/>
+          </a:p>
+        </p:txBody>
+      </p:sp>
+      <p:cxnSp>
+        <p:nvCxnSpPr>
+          <p:cNvPr id="12" name="直接连接符 11"/>
+          <p:cNvCxnSpPr>
+            <a:stCxn id="8" idx="3"/>
+            <a:endCxn id="6" idx="1"/>
+          </p:cNvCxnSpPr>
+          <p:nvPr/>
+        </p:nvCxnSpPr>
+        <p:spPr>
+          <a:xfrm flipV="1">
+            <a:off x="3075710" y="1969548"/>
+            <a:ext cx="2168234" cy="882757"/>
+          </a:xfrm>
+          <a:prstGeom prst="line">
+            <a:avLst/>
+          </a:prstGeom>
+          <a:ln w="127000">
+            <a:solidFill>
+              <a:schemeClr val="accent1">
+                <a:alpha val="50000"/>
+              </a:schemeClr>
+            </a:solidFill>
+          </a:ln>
+        </p:spPr>
+        <p:style>
+          <a:lnRef idx="1">
+            <a:schemeClr val="accent1"/>
+          </a:lnRef>
+          <a:fillRef idx="0">
+            <a:schemeClr val="accent1"/>
+          </a:fillRef>
+          <a:effectRef idx="0">
+            <a:schemeClr val="accent1"/>
+          </a:effectRef>
+          <a:fontRef idx="minor">
+            <a:schemeClr val="tx1"/>
+          </a:fontRef>
+        </p:style>
+      </p:cxnSp>
+      <p:cxnSp>
+        <p:nvCxnSpPr>
+          <p:cNvPr id="14" name="直接连接符 13"/>
+          <p:cNvCxnSpPr>
+            <a:stCxn id="8" idx="3"/>
+            <a:endCxn id="10" idx="1"/>
+          </p:cNvCxnSpPr>
+          <p:nvPr/>
+        </p:nvCxnSpPr>
+        <p:spPr>
+          <a:xfrm>
+            <a:off x="3075710" y="2852305"/>
+            <a:ext cx="2168232" cy="2095970"/>
+          </a:xfrm>
+          <a:prstGeom prst="line">
+            <a:avLst/>
+          </a:prstGeom>
+          <a:ln w="127000">
+            <a:solidFill>
+              <a:schemeClr val="accent1">
+                <a:alpha val="50000"/>
+              </a:schemeClr>
+            </a:solidFill>
+          </a:ln>
+        </p:spPr>
+        <p:style>
+          <a:lnRef idx="1">
+            <a:schemeClr val="accent1"/>
+          </a:lnRef>
+          <a:fillRef idx="0">
+            <a:schemeClr val="accent1"/>
+          </a:fillRef>
+          <a:effectRef idx="0">
+            <a:schemeClr val="accent1"/>
+          </a:effectRef>
+          <a:fontRef idx="minor">
+            <a:schemeClr val="tx1"/>
+          </a:fontRef>
+        </p:style>
+      </p:cxnSp>
+    </p:spTree>
+    <p:extLst>
+      <p:ext uri="{BB962C8B-B14F-4D97-AF65-F5344CB8AC3E}">
+        <p14:creationId xmlns:p14="http://schemas.microsoft.com/office/powerpoint/2010/main" val="3331036315"/>
+      </p:ext>
+    </p:extLst>
+  </p:cSld>
+  <p:clrMapOvr>
+    <a:masterClrMapping/>
+  </p:clrMapOvr>
+</p:sld>
+</file>
+
 <file path=ppt/theme/theme1.xml><?xml version="1.0" encoding="utf-8"?>
 <a:theme xmlns:a="http://schemas.openxmlformats.org/drawingml/2006/main" name="Office 主题​​">
   <a:themeElements>
